--- a/week11/Lecture11.pptx
+++ b/week11/Lecture11.pptx
@@ -5,7 +5,7 @@
     <p:sldMasterId id="2147483648" r:id="rId1"/>
   </p:sldMasterIdLst>
   <p:notesMasterIdLst>
-    <p:notesMasterId r:id="rId23"/>
+    <p:notesMasterId r:id="rId25"/>
   </p:notesMasterIdLst>
   <p:sldIdLst>
     <p:sldId id="256" r:id="rId2"/>
@@ -29,6 +29,8 @@
     <p:sldId id="638" r:id="rId20"/>
     <p:sldId id="649" r:id="rId21"/>
     <p:sldId id="650" r:id="rId22"/>
+    <p:sldId id="651" r:id="rId23"/>
+    <p:sldId id="652" r:id="rId24"/>
   </p:sldIdLst>
   <p:sldSz cx="12192000" cy="6858000"/>
   <p:notesSz cx="6858000" cy="9144000"/>
@@ -329,7 +331,7 @@
           <a:p>
             <a:fld id="{634F3F22-B4BB-3F48-9180-464A9F2D66D1}" type="datetimeFigureOut">
               <a:rPr kumimoji="1" lang="zh-CN" altLang="en-US" smtClean="0"/>
-              <a:t>2021/11/20</a:t>
+              <a:t>2021/11/21</a:t>
             </a:fld>
             <a:endParaRPr kumimoji="1" lang="zh-CN" altLang="en-US"/>
           </a:p>
@@ -809,7 +811,7 @@
           <a:p>
             <a:fld id="{FC19A4FA-3D9A-4114-B0D5-759CBD56F1AB}" type="datetimeFigureOut">
               <a:rPr lang="zh-CN" altLang="en-US" smtClean="0"/>
-              <a:t>2021/11/20</a:t>
+              <a:t>2021/11/21</a:t>
             </a:fld>
             <a:endParaRPr lang="zh-CN" altLang="en-US"/>
           </a:p>
@@ -1012,7 +1014,7 @@
           <a:p>
             <a:fld id="{FC19A4FA-3D9A-4114-B0D5-759CBD56F1AB}" type="datetimeFigureOut">
               <a:rPr lang="zh-CN" altLang="en-US" smtClean="0"/>
-              <a:t>2021/11/20</a:t>
+              <a:t>2021/11/21</a:t>
             </a:fld>
             <a:endParaRPr lang="zh-CN" altLang="en-US"/>
           </a:p>
@@ -1190,7 +1192,7 @@
           <a:p>
             <a:fld id="{FC19A4FA-3D9A-4114-B0D5-759CBD56F1AB}" type="datetimeFigureOut">
               <a:rPr lang="zh-CN" altLang="en-US" smtClean="0"/>
-              <a:t>2021/11/20</a:t>
+              <a:t>2021/11/21</a:t>
             </a:fld>
             <a:endParaRPr lang="zh-CN" altLang="en-US"/>
           </a:p>
@@ -1414,7 +1416,7 @@
           <a:p>
             <a:fld id="{FC19A4FA-3D9A-4114-B0D5-759CBD56F1AB}" type="datetimeFigureOut">
               <a:rPr lang="zh-CN" altLang="en-US" smtClean="0"/>
-              <a:t>2021/11/20</a:t>
+              <a:t>2021/11/21</a:t>
             </a:fld>
             <a:endParaRPr lang="zh-CN" altLang="en-US"/>
           </a:p>
@@ -1648,7 +1650,7 @@
           <a:p>
             <a:fld id="{FC19A4FA-3D9A-4114-B0D5-759CBD56F1AB}" type="datetimeFigureOut">
               <a:rPr lang="zh-CN" altLang="en-US" smtClean="0"/>
-              <a:t>2021/11/20</a:t>
+              <a:t>2021/11/21</a:t>
             </a:fld>
             <a:endParaRPr lang="zh-CN" altLang="en-US"/>
           </a:p>
@@ -2047,7 +2049,7 @@
           <a:p>
             <a:fld id="{FC19A4FA-3D9A-4114-B0D5-759CBD56F1AB}" type="datetimeFigureOut">
               <a:rPr lang="zh-CN" altLang="en-US" smtClean="0"/>
-              <a:t>2021/11/20</a:t>
+              <a:t>2021/11/21</a:t>
             </a:fld>
             <a:endParaRPr lang="zh-CN" altLang="en-US"/>
           </a:p>
@@ -2327,7 +2329,7 @@
           <a:p>
             <a:fld id="{FC19A4FA-3D9A-4114-B0D5-759CBD56F1AB}" type="datetimeFigureOut">
               <a:rPr lang="zh-CN" altLang="en-US" smtClean="0"/>
-              <a:t>2021/11/20</a:t>
+              <a:t>2021/11/21</a:t>
             </a:fld>
             <a:endParaRPr lang="zh-CN" altLang="en-US"/>
           </a:p>
@@ -2479,7 +2481,7 @@
           <a:p>
             <a:fld id="{FC19A4FA-3D9A-4114-B0D5-759CBD56F1AB}" type="datetimeFigureOut">
               <a:rPr lang="zh-CN" altLang="en-US" smtClean="0"/>
-              <a:t>2021/11/20</a:t>
+              <a:t>2021/11/21</a:t>
             </a:fld>
             <a:endParaRPr lang="zh-CN" altLang="en-US"/>
           </a:p>
@@ -2609,7 +2611,7 @@
           <a:p>
             <a:fld id="{FC19A4FA-3D9A-4114-B0D5-759CBD56F1AB}" type="datetimeFigureOut">
               <a:rPr lang="zh-CN" altLang="en-US" smtClean="0"/>
-              <a:t>2021/11/20</a:t>
+              <a:t>2021/11/21</a:t>
             </a:fld>
             <a:endParaRPr lang="zh-CN" altLang="en-US"/>
           </a:p>
@@ -2919,7 +2921,7 @@
           <a:p>
             <a:fld id="{FC19A4FA-3D9A-4114-B0D5-759CBD56F1AB}" type="datetimeFigureOut">
               <a:rPr lang="zh-CN" altLang="en-US" smtClean="0"/>
-              <a:t>2021/11/20</a:t>
+              <a:t>2021/11/21</a:t>
             </a:fld>
             <a:endParaRPr lang="zh-CN" altLang="en-US"/>
           </a:p>
@@ -3206,7 +3208,7 @@
           <a:p>
             <a:fld id="{FC19A4FA-3D9A-4114-B0D5-759CBD56F1AB}" type="datetimeFigureOut">
               <a:rPr lang="zh-CN" altLang="en-US" smtClean="0"/>
-              <a:t>2021/11/20</a:t>
+              <a:t>2021/11/21</a:t>
             </a:fld>
             <a:endParaRPr lang="zh-CN" altLang="en-US"/>
           </a:p>
@@ -3499,7 +3501,7 @@
           <a:p>
             <a:fld id="{FC19A4FA-3D9A-4114-B0D5-759CBD56F1AB}" type="datetimeFigureOut">
               <a:rPr lang="zh-CN" altLang="en-US" smtClean="0"/>
-              <a:t>2021/11/20</a:t>
+              <a:t>2021/11/21</a:t>
             </a:fld>
             <a:endParaRPr lang="zh-CN" altLang="en-US"/>
           </a:p>
@@ -5869,7 +5871,7 @@
           <a:p>
             <a:r>
               <a:rPr kumimoji="1" lang="en-US" altLang="zh-CN" dirty="0" err="1"/>
-              <a:t>cvMat</a:t>
+              <a:t>CvMat</a:t>
             </a:r>
             <a:r>
               <a:rPr kumimoji="1" lang="en-US" altLang="zh-CN" dirty="0"/>
@@ -5976,7 +5978,7 @@
           <a:graphicData uri="http://schemas.openxmlformats.org/presentationml/2006/ole">
             <mc:AlternateContent xmlns:mc="http://schemas.openxmlformats.org/markup-compatibility/2006">
               <mc:Choice xmlns:v="urn:schemas-microsoft-com:vml" Requires="v">
-                <p:oleObj spid="_x0000_s2057" name="文档" r:id="rId3" imgW="8013700" imgH="3568700" progId="Word.Document.12">
+                <p:oleObj spid="_x0000_s2079" name="文档" r:id="rId3" imgW="8013700" imgH="3568700" progId="Word.Document.12">
                   <p:embed/>
                 </p:oleObj>
               </mc:Choice>
@@ -7267,10 +7269,31 @@
         </p:nvSpPr>
         <p:spPr/>
         <p:txBody>
-          <a:bodyPr/>
+          <a:bodyPr>
+            <a:normAutofit/>
+          </a:bodyPr>
           <a:lstStyle/>
           <a:p>
-            <a:endParaRPr kumimoji="1" lang="zh-CN" altLang="en-US"/>
+            <a:r>
+              <a:rPr kumimoji="1" lang="en" altLang="zh-CN" dirty="0">
+                <a:latin typeface="Menlo" panose="020B0609030804020204" pitchFamily="49" charset="0"/>
+                <a:ea typeface="Menlo" panose="020B0609030804020204" pitchFamily="49" charset="0"/>
+                <a:cs typeface="Menlo" panose="020B0609030804020204" pitchFamily="49" charset="0"/>
+              </a:rPr>
+              <a:t>std::</a:t>
+            </a:r>
+            <a:r>
+              <a:rPr kumimoji="1" lang="en" altLang="zh-CN" dirty="0" err="1">
+                <a:latin typeface="Menlo" panose="020B0609030804020204" pitchFamily="49" charset="0"/>
+                <a:ea typeface="Menlo" panose="020B0609030804020204" pitchFamily="49" charset="0"/>
+                <a:cs typeface="Menlo" panose="020B0609030804020204" pitchFamily="49" charset="0"/>
+              </a:rPr>
+              <a:t>shared_ptr</a:t>
+            </a:r>
+            <a:endParaRPr kumimoji="1" lang="zh-CN" altLang="en-US" dirty="0">
+              <a:latin typeface="Menlo" panose="020B0609030804020204" pitchFamily="49" charset="0"/>
+              <a:cs typeface="Menlo" panose="020B0609030804020204" pitchFamily="49" charset="0"/>
+            </a:endParaRPr>
           </a:p>
         </p:txBody>
       </p:sp>
@@ -7295,7 +7318,388 @@
           <a:bodyPr/>
           <a:lstStyle/>
           <a:p>
-            <a:endParaRPr kumimoji="1" lang="zh-CN" altLang="en-US"/>
+            <a:r>
+              <a:rPr kumimoji="1" lang="en-US" altLang="zh-CN" dirty="0"/>
+              <a:t>Smart pointers are used to make sure that an object can be deleted when it is no longer used. 😍</a:t>
+            </a:r>
+          </a:p>
+          <a:p>
+            <a:r>
+              <a:rPr kumimoji="1" lang="en-US" altLang="zh-CN" dirty="0"/>
+              <a:t>Several shared pointers can share/point to the same object.</a:t>
+            </a:r>
+          </a:p>
+          <a:p>
+            <a:r>
+              <a:rPr lang="en" altLang="zh-CN" dirty="0"/>
+              <a:t>The object is destroyed when no </a:t>
+            </a:r>
+            <a:r>
+              <a:rPr lang="en" altLang="zh-CN" dirty="0" err="1"/>
+              <a:t>shared_ptr</a:t>
+            </a:r>
+            <a:r>
+              <a:rPr lang="en" altLang="zh-CN" dirty="0"/>
+              <a:t> points to it.</a:t>
+            </a:r>
+            <a:endParaRPr kumimoji="1" lang="zh-CN" altLang="en-US" dirty="0"/>
+          </a:p>
+        </p:txBody>
+      </p:sp>
+      <p:sp>
+        <p:nvSpPr>
+          <p:cNvPr id="4" name="矩形 3">
+            <a:extLst>
+              <a:ext uri="{FF2B5EF4-FFF2-40B4-BE49-F238E27FC236}">
+                <a16:creationId xmlns:a16="http://schemas.microsoft.com/office/drawing/2014/main" id="{CBE7D1E5-687B-E346-A6E5-AD5BF815963E}"/>
+              </a:ext>
+            </a:extLst>
+          </p:cNvPr>
+          <p:cNvSpPr/>
+          <p:nvPr/>
+        </p:nvSpPr>
+        <p:spPr>
+          <a:xfrm>
+            <a:off x="1203484" y="3278828"/>
+            <a:ext cx="8530281" cy="646331"/>
+          </a:xfrm>
+          <a:prstGeom prst="rect">
+            <a:avLst/>
+          </a:prstGeom>
+        </p:spPr>
+        <p:txBody>
+          <a:bodyPr wrap="square">
+            <a:spAutoFit/>
+          </a:bodyPr>
+          <a:lstStyle/>
+          <a:p>
+            <a:r>
+              <a:rPr lang="en" altLang="zh-CN" dirty="0">
+                <a:solidFill>
+                  <a:srgbClr val="267F99"/>
+                </a:solidFill>
+                <a:latin typeface="Menlo" panose="020B0609030804020204" pitchFamily="49" charset="0"/>
+              </a:rPr>
+              <a:t>std</a:t>
+            </a:r>
+            <a:r>
+              <a:rPr lang="en" altLang="zh-CN" dirty="0">
+                <a:solidFill>
+                  <a:srgbClr val="000000"/>
+                </a:solidFill>
+                <a:latin typeface="Menlo" panose="020B0609030804020204" pitchFamily="49" charset="0"/>
+              </a:rPr>
+              <a:t>::</a:t>
+            </a:r>
+            <a:r>
+              <a:rPr lang="en" altLang="zh-CN" dirty="0" err="1">
+                <a:solidFill>
+                  <a:srgbClr val="000000"/>
+                </a:solidFill>
+                <a:latin typeface="Menlo" panose="020B0609030804020204" pitchFamily="49" charset="0"/>
+              </a:rPr>
+              <a:t>shared_ptr</a:t>
+            </a:r>
+            <a:r>
+              <a:rPr lang="en" altLang="zh-CN" dirty="0">
+                <a:solidFill>
+                  <a:srgbClr val="000000"/>
+                </a:solidFill>
+                <a:latin typeface="Menlo" panose="020B0609030804020204" pitchFamily="49" charset="0"/>
+              </a:rPr>
+              <a:t>&lt;</a:t>
+            </a:r>
+            <a:r>
+              <a:rPr lang="en" altLang="zh-CN" dirty="0" err="1">
+                <a:solidFill>
+                  <a:srgbClr val="267F99"/>
+                </a:solidFill>
+                <a:latin typeface="Menlo" panose="020B0609030804020204" pitchFamily="49" charset="0"/>
+              </a:rPr>
+              <a:t>MyTime</a:t>
+            </a:r>
+            <a:r>
+              <a:rPr lang="en" altLang="zh-CN" dirty="0">
+                <a:solidFill>
+                  <a:srgbClr val="000000"/>
+                </a:solidFill>
+                <a:latin typeface="Menlo" panose="020B0609030804020204" pitchFamily="49" charset="0"/>
+              </a:rPr>
+              <a:t>&gt; </a:t>
+            </a:r>
+            <a:r>
+              <a:rPr lang="en" altLang="zh-CN" dirty="0">
+                <a:solidFill>
+                  <a:srgbClr val="795E26"/>
+                </a:solidFill>
+                <a:latin typeface="Menlo" panose="020B0609030804020204" pitchFamily="49" charset="0"/>
+              </a:rPr>
+              <a:t>mt1</a:t>
+            </a:r>
+            <a:r>
+              <a:rPr lang="en" altLang="zh-CN" dirty="0">
+                <a:solidFill>
+                  <a:srgbClr val="000000"/>
+                </a:solidFill>
+                <a:latin typeface="Menlo" panose="020B0609030804020204" pitchFamily="49" charset="0"/>
+              </a:rPr>
+              <a:t>(</a:t>
+            </a:r>
+            <a:r>
+              <a:rPr lang="en" altLang="zh-CN" dirty="0">
+                <a:solidFill>
+                  <a:srgbClr val="AF00DB"/>
+                </a:solidFill>
+                <a:latin typeface="Menlo" panose="020B0609030804020204" pitchFamily="49" charset="0"/>
+              </a:rPr>
+              <a:t>new</a:t>
+            </a:r>
+            <a:r>
+              <a:rPr lang="en" altLang="zh-CN" dirty="0">
+                <a:solidFill>
+                  <a:srgbClr val="000000"/>
+                </a:solidFill>
+                <a:latin typeface="Menlo" panose="020B0609030804020204" pitchFamily="49" charset="0"/>
+              </a:rPr>
+              <a:t> </a:t>
+            </a:r>
+            <a:r>
+              <a:rPr lang="en" altLang="zh-CN" dirty="0" err="1">
+                <a:solidFill>
+                  <a:srgbClr val="267F99"/>
+                </a:solidFill>
+                <a:latin typeface="Menlo" panose="020B0609030804020204" pitchFamily="49" charset="0"/>
+              </a:rPr>
+              <a:t>MyTime</a:t>
+            </a:r>
+            <a:r>
+              <a:rPr lang="en" altLang="zh-CN" dirty="0">
+                <a:solidFill>
+                  <a:srgbClr val="000000"/>
+                </a:solidFill>
+                <a:latin typeface="Menlo" panose="020B0609030804020204" pitchFamily="49" charset="0"/>
+              </a:rPr>
+              <a:t>(</a:t>
+            </a:r>
+            <a:r>
+              <a:rPr lang="en" altLang="zh-CN" dirty="0">
+                <a:solidFill>
+                  <a:srgbClr val="098658"/>
+                </a:solidFill>
+                <a:latin typeface="Menlo" panose="020B0609030804020204" pitchFamily="49" charset="0"/>
+              </a:rPr>
+              <a:t>10</a:t>
+            </a:r>
+            <a:r>
+              <a:rPr lang="en" altLang="zh-CN" dirty="0">
+                <a:solidFill>
+                  <a:srgbClr val="000000"/>
+                </a:solidFill>
+                <a:latin typeface="Menlo" panose="020B0609030804020204" pitchFamily="49" charset="0"/>
+              </a:rPr>
+              <a:t>));</a:t>
+            </a:r>
+          </a:p>
+          <a:p>
+            <a:r>
+              <a:rPr lang="en" altLang="zh-CN" dirty="0">
+                <a:solidFill>
+                  <a:srgbClr val="267F99"/>
+                </a:solidFill>
+                <a:latin typeface="Menlo" panose="020B0609030804020204" pitchFamily="49" charset="0"/>
+              </a:rPr>
+              <a:t>std</a:t>
+            </a:r>
+            <a:r>
+              <a:rPr lang="en" altLang="zh-CN" dirty="0">
+                <a:solidFill>
+                  <a:srgbClr val="000000"/>
+                </a:solidFill>
+                <a:latin typeface="Menlo" panose="020B0609030804020204" pitchFamily="49" charset="0"/>
+              </a:rPr>
+              <a:t>::</a:t>
+            </a:r>
+            <a:r>
+              <a:rPr lang="en" altLang="zh-CN" dirty="0" err="1">
+                <a:solidFill>
+                  <a:srgbClr val="000000"/>
+                </a:solidFill>
+                <a:latin typeface="Menlo" panose="020B0609030804020204" pitchFamily="49" charset="0"/>
+              </a:rPr>
+              <a:t>shared_ptr</a:t>
+            </a:r>
+            <a:r>
+              <a:rPr lang="en" altLang="zh-CN" dirty="0">
+                <a:solidFill>
+                  <a:srgbClr val="000000"/>
+                </a:solidFill>
+                <a:latin typeface="Menlo" panose="020B0609030804020204" pitchFamily="49" charset="0"/>
+              </a:rPr>
+              <a:t>&lt;</a:t>
+            </a:r>
+            <a:r>
+              <a:rPr lang="en" altLang="zh-CN" dirty="0" err="1">
+                <a:solidFill>
+                  <a:srgbClr val="267F99"/>
+                </a:solidFill>
+                <a:latin typeface="Menlo" panose="020B0609030804020204" pitchFamily="49" charset="0"/>
+              </a:rPr>
+              <a:t>MyTime</a:t>
+            </a:r>
+            <a:r>
+              <a:rPr lang="en" altLang="zh-CN" dirty="0">
+                <a:solidFill>
+                  <a:srgbClr val="000000"/>
+                </a:solidFill>
+                <a:latin typeface="Menlo" panose="020B0609030804020204" pitchFamily="49" charset="0"/>
+              </a:rPr>
+              <a:t>&gt; mt2 = mt1;</a:t>
+            </a:r>
+          </a:p>
+        </p:txBody>
+      </p:sp>
+      <p:sp>
+        <p:nvSpPr>
+          <p:cNvPr id="5" name="矩形 4">
+            <a:extLst>
+              <a:ext uri="{FF2B5EF4-FFF2-40B4-BE49-F238E27FC236}">
+                <a16:creationId xmlns:a16="http://schemas.microsoft.com/office/drawing/2014/main" id="{D39E8CCA-137A-5445-A3C0-3E134040E3B2}"/>
+              </a:ext>
+            </a:extLst>
+          </p:cNvPr>
+          <p:cNvSpPr/>
+          <p:nvPr/>
+        </p:nvSpPr>
+        <p:spPr>
+          <a:xfrm>
+            <a:off x="1203484" y="4064908"/>
+            <a:ext cx="6181500" cy="369332"/>
+          </a:xfrm>
+          <a:prstGeom prst="rect">
+            <a:avLst/>
+          </a:prstGeom>
+        </p:spPr>
+        <p:txBody>
+          <a:bodyPr wrap="none">
+            <a:spAutoFit/>
+          </a:bodyPr>
+          <a:lstStyle/>
+          <a:p>
+            <a:r>
+              <a:rPr lang="en" altLang="zh-CN" dirty="0">
+                <a:solidFill>
+                  <a:srgbClr val="0000CC"/>
+                </a:solidFill>
+                <a:latin typeface="Menlo" panose="020B0609030804020204" pitchFamily="49" charset="0"/>
+              </a:rPr>
+              <a:t>auto</a:t>
+            </a:r>
+            <a:r>
+              <a:rPr lang="en" altLang="zh-CN" dirty="0">
+                <a:solidFill>
+                  <a:srgbClr val="000000"/>
+                </a:solidFill>
+                <a:latin typeface="Menlo" panose="020B0609030804020204" pitchFamily="49" charset="0"/>
+              </a:rPr>
+              <a:t> mt1 = </a:t>
+            </a:r>
+            <a:r>
+              <a:rPr lang="en" altLang="zh-CN" dirty="0">
+                <a:solidFill>
+                  <a:srgbClr val="267F99"/>
+                </a:solidFill>
+                <a:latin typeface="Menlo" panose="020B0609030804020204" pitchFamily="49" charset="0"/>
+              </a:rPr>
+              <a:t>std</a:t>
+            </a:r>
+            <a:r>
+              <a:rPr lang="en" altLang="zh-CN" dirty="0">
+                <a:solidFill>
+                  <a:srgbClr val="000000"/>
+                </a:solidFill>
+                <a:latin typeface="Menlo" panose="020B0609030804020204" pitchFamily="49" charset="0"/>
+              </a:rPr>
+              <a:t>::</a:t>
+            </a:r>
+            <a:r>
+              <a:rPr lang="en" altLang="zh-CN" dirty="0" err="1">
+                <a:solidFill>
+                  <a:srgbClr val="795E26"/>
+                </a:solidFill>
+                <a:latin typeface="Menlo" panose="020B0609030804020204" pitchFamily="49" charset="0"/>
+              </a:rPr>
+              <a:t>make_shared</a:t>
+            </a:r>
+            <a:r>
+              <a:rPr lang="en" altLang="zh-CN" dirty="0">
+                <a:solidFill>
+                  <a:srgbClr val="000000"/>
+                </a:solidFill>
+                <a:latin typeface="Menlo" panose="020B0609030804020204" pitchFamily="49" charset="0"/>
+              </a:rPr>
+              <a:t>&lt;</a:t>
+            </a:r>
+            <a:r>
+              <a:rPr lang="en" altLang="zh-CN" dirty="0" err="1">
+                <a:solidFill>
+                  <a:srgbClr val="267F99"/>
+                </a:solidFill>
+                <a:latin typeface="Menlo" panose="020B0609030804020204" pitchFamily="49" charset="0"/>
+              </a:rPr>
+              <a:t>MyTime</a:t>
+            </a:r>
+            <a:r>
+              <a:rPr lang="en" altLang="zh-CN" dirty="0">
+                <a:solidFill>
+                  <a:srgbClr val="000000"/>
+                </a:solidFill>
+                <a:latin typeface="Menlo" panose="020B0609030804020204" pitchFamily="49" charset="0"/>
+              </a:rPr>
+              <a:t>&gt;(</a:t>
+            </a:r>
+            <a:r>
+              <a:rPr lang="en" altLang="zh-CN" dirty="0">
+                <a:solidFill>
+                  <a:srgbClr val="098658"/>
+                </a:solidFill>
+                <a:latin typeface="Menlo" panose="020B0609030804020204" pitchFamily="49" charset="0"/>
+              </a:rPr>
+              <a:t>1</a:t>
+            </a:r>
+            <a:r>
+              <a:rPr lang="en" altLang="zh-CN" dirty="0">
+                <a:solidFill>
+                  <a:srgbClr val="000000"/>
+                </a:solidFill>
+                <a:latin typeface="Menlo" panose="020B0609030804020204" pitchFamily="49" charset="0"/>
+              </a:rPr>
+              <a:t>, </a:t>
+            </a:r>
+            <a:r>
+              <a:rPr lang="en" altLang="zh-CN" dirty="0">
+                <a:solidFill>
+                  <a:srgbClr val="098658"/>
+                </a:solidFill>
+                <a:latin typeface="Menlo" panose="020B0609030804020204" pitchFamily="49" charset="0"/>
+              </a:rPr>
+              <a:t>70</a:t>
+            </a:r>
+            <a:r>
+              <a:rPr lang="en" altLang="zh-CN" dirty="0">
+                <a:solidFill>
+                  <a:srgbClr val="000000"/>
+                </a:solidFill>
+                <a:latin typeface="Menlo" panose="020B0609030804020204" pitchFamily="49" charset="0"/>
+              </a:rPr>
+              <a:t>);</a:t>
+            </a:r>
+            <a:endParaRPr lang="en" altLang="zh-CN" b="0" dirty="0">
+              <a:solidFill>
+                <a:srgbClr val="000000"/>
+              </a:solidFill>
+              <a:effectLst/>
+              <a:latin typeface="Menlo" panose="020B0609030804020204" pitchFamily="49" charset="0"/>
+            </a:endParaRPr>
           </a:p>
         </p:txBody>
       </p:sp>
@@ -7309,6 +7713,1416 @@
   <p:clrMapOvr>
     <a:masterClrMapping/>
   </p:clrMapOvr>
+</p:sld>
+</file>
+
+<file path=ppt/slides/slide22.xml><?xml version="1.0" encoding="utf-8"?>
+<p:sld xmlns:a="http://schemas.openxmlformats.org/drawingml/2006/main" xmlns:r="http://schemas.openxmlformats.org/officeDocument/2006/relationships" xmlns:p="http://schemas.openxmlformats.org/presentationml/2006/main">
+  <p:cSld>
+    <p:spTree>
+      <p:nvGrpSpPr>
+        <p:cNvPr id="1" name=""/>
+        <p:cNvGrpSpPr/>
+        <p:nvPr/>
+      </p:nvGrpSpPr>
+      <p:grpSpPr>
+        <a:xfrm>
+          <a:off x="0" y="0"/>
+          <a:ext cx="0" cy="0"/>
+          <a:chOff x="0" y="0"/>
+          <a:chExt cx="0" cy="0"/>
+        </a:xfrm>
+      </p:grpSpPr>
+      <p:sp>
+        <p:nvSpPr>
+          <p:cNvPr id="2" name="标题 1">
+            <a:extLst>
+              <a:ext uri="{FF2B5EF4-FFF2-40B4-BE49-F238E27FC236}">
+                <a16:creationId xmlns:a16="http://schemas.microsoft.com/office/drawing/2014/main" id="{37556C59-F0FC-0342-96A2-8B676022E6E0}"/>
+              </a:ext>
+            </a:extLst>
+          </p:cNvPr>
+          <p:cNvSpPr>
+            <a:spLocks noGrp="1"/>
+          </p:cNvSpPr>
+          <p:nvPr>
+            <p:ph type="title"/>
+          </p:nvPr>
+        </p:nvSpPr>
+        <p:spPr/>
+        <p:txBody>
+          <a:bodyPr/>
+          <a:lstStyle/>
+          <a:p>
+            <a:r>
+              <a:rPr kumimoji="1" lang="en" altLang="zh-CN" dirty="0"/>
+              <a:t>std::</a:t>
+            </a:r>
+            <a:r>
+              <a:rPr kumimoji="1" lang="en" altLang="zh-CN" dirty="0" err="1"/>
+              <a:t>unique_ptr</a:t>
+            </a:r>
+            <a:endParaRPr kumimoji="1" lang="zh-CN" altLang="en-US" dirty="0"/>
+          </a:p>
+        </p:txBody>
+      </p:sp>
+      <p:sp>
+        <p:nvSpPr>
+          <p:cNvPr id="3" name="内容占位符 2">
+            <a:extLst>
+              <a:ext uri="{FF2B5EF4-FFF2-40B4-BE49-F238E27FC236}">
+                <a16:creationId xmlns:a16="http://schemas.microsoft.com/office/drawing/2014/main" id="{B5B6B335-C29E-314D-A624-486F21CC6463}"/>
+              </a:ext>
+            </a:extLst>
+          </p:cNvPr>
+          <p:cNvSpPr>
+            <a:spLocks noGrp="1"/>
+          </p:cNvSpPr>
+          <p:nvPr>
+            <p:ph idx="1"/>
+          </p:nvPr>
+        </p:nvSpPr>
+        <p:spPr>
+          <a:xfrm>
+            <a:off x="838199" y="1326995"/>
+            <a:ext cx="11053879" cy="2219394"/>
+          </a:xfrm>
+        </p:spPr>
+        <p:txBody>
+          <a:bodyPr/>
+          <a:lstStyle/>
+          <a:p>
+            <a:r>
+              <a:rPr kumimoji="1" lang="en-US" altLang="zh-CN" dirty="0"/>
+              <a:t>Different from std::</a:t>
+            </a:r>
+            <a:r>
+              <a:rPr kumimoji="1" lang="en-US" altLang="zh-CN" dirty="0" err="1"/>
+              <a:t>shared_ptr</a:t>
+            </a:r>
+            <a:r>
+              <a:rPr kumimoji="1" lang="en-US" altLang="zh-CN" dirty="0"/>
+              <a:t>, a std::</a:t>
+            </a:r>
+            <a:r>
+              <a:rPr kumimoji="1" lang="en-US" altLang="zh-CN" dirty="0" err="1"/>
+              <a:t>unique_ptr</a:t>
+            </a:r>
+            <a:r>
+              <a:rPr kumimoji="1" lang="en-US" altLang="zh-CN" dirty="0"/>
+              <a:t> will point to an object, and not allow others to point to.</a:t>
+            </a:r>
+          </a:p>
+          <a:p>
+            <a:r>
+              <a:rPr kumimoji="1" lang="en-US" altLang="zh-CN" dirty="0"/>
+              <a:t>But an object pointed by a std::</a:t>
+            </a:r>
+            <a:r>
+              <a:rPr kumimoji="1" lang="en-US" altLang="zh-CN" dirty="0" err="1"/>
+              <a:t>unique_ptr</a:t>
+            </a:r>
+            <a:r>
+              <a:rPr kumimoji="1" lang="en-US" altLang="zh-CN" dirty="0"/>
+              <a:t> can be moved to another pointer.</a:t>
+            </a:r>
+            <a:endParaRPr kumimoji="1" lang="zh-CN" altLang="en-US" dirty="0"/>
+          </a:p>
+        </p:txBody>
+      </p:sp>
+      <p:sp>
+        <p:nvSpPr>
+          <p:cNvPr id="4" name="矩形 3">
+            <a:extLst>
+              <a:ext uri="{FF2B5EF4-FFF2-40B4-BE49-F238E27FC236}">
+                <a16:creationId xmlns:a16="http://schemas.microsoft.com/office/drawing/2014/main" id="{9358944E-FFF0-014D-8D9B-A1DA838FB8A1}"/>
+              </a:ext>
+            </a:extLst>
+          </p:cNvPr>
+          <p:cNvSpPr/>
+          <p:nvPr/>
+        </p:nvSpPr>
+        <p:spPr>
+          <a:xfrm>
+            <a:off x="1182128" y="3084724"/>
+            <a:ext cx="10013093" cy="1200329"/>
+          </a:xfrm>
+          <a:prstGeom prst="rect">
+            <a:avLst/>
+          </a:prstGeom>
+        </p:spPr>
+        <p:txBody>
+          <a:bodyPr wrap="square">
+            <a:spAutoFit/>
+          </a:bodyPr>
+          <a:lstStyle/>
+          <a:p>
+            <a:r>
+              <a:rPr lang="en" altLang="zh-CN" dirty="0">
+                <a:solidFill>
+                  <a:srgbClr val="267F99"/>
+                </a:solidFill>
+                <a:latin typeface="Menlo" panose="020B0609030804020204" pitchFamily="49" charset="0"/>
+              </a:rPr>
+              <a:t>std</a:t>
+            </a:r>
+            <a:r>
+              <a:rPr lang="en" altLang="zh-CN" dirty="0">
+                <a:solidFill>
+                  <a:srgbClr val="000000"/>
+                </a:solidFill>
+                <a:latin typeface="Menlo" panose="020B0609030804020204" pitchFamily="49" charset="0"/>
+              </a:rPr>
+              <a:t>::</a:t>
+            </a:r>
+            <a:r>
+              <a:rPr lang="en" altLang="zh-CN" dirty="0" err="1">
+                <a:solidFill>
+                  <a:srgbClr val="000000"/>
+                </a:solidFill>
+                <a:latin typeface="Menlo" panose="020B0609030804020204" pitchFamily="49" charset="0"/>
+              </a:rPr>
+              <a:t>unique_ptr</a:t>
+            </a:r>
+            <a:r>
+              <a:rPr lang="en" altLang="zh-CN" dirty="0">
+                <a:solidFill>
+                  <a:srgbClr val="000000"/>
+                </a:solidFill>
+                <a:latin typeface="Menlo" panose="020B0609030804020204" pitchFamily="49" charset="0"/>
+              </a:rPr>
+              <a:t>&lt;</a:t>
+            </a:r>
+            <a:r>
+              <a:rPr lang="en" altLang="zh-CN" dirty="0" err="1">
+                <a:solidFill>
+                  <a:srgbClr val="267F99"/>
+                </a:solidFill>
+                <a:latin typeface="Menlo" panose="020B0609030804020204" pitchFamily="49" charset="0"/>
+              </a:rPr>
+              <a:t>MyTime</a:t>
+            </a:r>
+            <a:r>
+              <a:rPr lang="en" altLang="zh-CN" dirty="0">
+                <a:solidFill>
+                  <a:srgbClr val="000000"/>
+                </a:solidFill>
+                <a:latin typeface="Menlo" panose="020B0609030804020204" pitchFamily="49" charset="0"/>
+              </a:rPr>
+              <a:t>&gt; </a:t>
+            </a:r>
+            <a:r>
+              <a:rPr lang="en" altLang="zh-CN" dirty="0">
+                <a:solidFill>
+                  <a:srgbClr val="795E26"/>
+                </a:solidFill>
+                <a:latin typeface="Menlo" panose="020B0609030804020204" pitchFamily="49" charset="0"/>
+              </a:rPr>
+              <a:t>mt1</a:t>
+            </a:r>
+            <a:r>
+              <a:rPr lang="en" altLang="zh-CN" dirty="0">
+                <a:solidFill>
+                  <a:srgbClr val="000000"/>
+                </a:solidFill>
+                <a:latin typeface="Menlo" panose="020B0609030804020204" pitchFamily="49" charset="0"/>
+              </a:rPr>
+              <a:t>(</a:t>
+            </a:r>
+            <a:r>
+              <a:rPr lang="en" altLang="zh-CN" dirty="0">
+                <a:solidFill>
+                  <a:srgbClr val="AF00DB"/>
+                </a:solidFill>
+                <a:latin typeface="Menlo" panose="020B0609030804020204" pitchFamily="49" charset="0"/>
+              </a:rPr>
+              <a:t>new</a:t>
+            </a:r>
+            <a:r>
+              <a:rPr lang="en" altLang="zh-CN" dirty="0">
+                <a:solidFill>
+                  <a:srgbClr val="000000"/>
+                </a:solidFill>
+                <a:latin typeface="Menlo" panose="020B0609030804020204" pitchFamily="49" charset="0"/>
+              </a:rPr>
+              <a:t> </a:t>
+            </a:r>
+            <a:r>
+              <a:rPr lang="en" altLang="zh-CN" dirty="0" err="1">
+                <a:solidFill>
+                  <a:srgbClr val="267F99"/>
+                </a:solidFill>
+                <a:latin typeface="Menlo" panose="020B0609030804020204" pitchFamily="49" charset="0"/>
+              </a:rPr>
+              <a:t>MyTime</a:t>
+            </a:r>
+            <a:r>
+              <a:rPr lang="en" altLang="zh-CN" dirty="0">
+                <a:solidFill>
+                  <a:srgbClr val="000000"/>
+                </a:solidFill>
+                <a:latin typeface="Menlo" panose="020B0609030804020204" pitchFamily="49" charset="0"/>
+              </a:rPr>
+              <a:t>(</a:t>
+            </a:r>
+            <a:r>
+              <a:rPr lang="en" altLang="zh-CN" dirty="0">
+                <a:solidFill>
+                  <a:srgbClr val="098658"/>
+                </a:solidFill>
+                <a:latin typeface="Menlo" panose="020B0609030804020204" pitchFamily="49" charset="0"/>
+              </a:rPr>
+              <a:t>10</a:t>
+            </a:r>
+            <a:r>
+              <a:rPr lang="en" altLang="zh-CN" dirty="0">
+                <a:solidFill>
+                  <a:srgbClr val="000000"/>
+                </a:solidFill>
+                <a:latin typeface="Menlo" panose="020B0609030804020204" pitchFamily="49" charset="0"/>
+              </a:rPr>
+              <a:t>));</a:t>
+            </a:r>
+          </a:p>
+          <a:p>
+            <a:r>
+              <a:rPr lang="en" altLang="zh-CN" dirty="0">
+                <a:solidFill>
+                  <a:srgbClr val="267F99"/>
+                </a:solidFill>
+                <a:latin typeface="Menlo" panose="020B0609030804020204" pitchFamily="49" charset="0"/>
+              </a:rPr>
+              <a:t>std</a:t>
+            </a:r>
+            <a:r>
+              <a:rPr lang="en" altLang="zh-CN" dirty="0">
+                <a:solidFill>
+                  <a:srgbClr val="000000"/>
+                </a:solidFill>
+                <a:latin typeface="Menlo" panose="020B0609030804020204" pitchFamily="49" charset="0"/>
+              </a:rPr>
+              <a:t>::</a:t>
+            </a:r>
+            <a:r>
+              <a:rPr lang="en" altLang="zh-CN" dirty="0" err="1">
+                <a:solidFill>
+                  <a:srgbClr val="000000"/>
+                </a:solidFill>
+                <a:latin typeface="Menlo" panose="020B0609030804020204" pitchFamily="49" charset="0"/>
+              </a:rPr>
+              <a:t>unique_ptr</a:t>
+            </a:r>
+            <a:r>
+              <a:rPr lang="en" altLang="zh-CN" dirty="0">
+                <a:solidFill>
+                  <a:srgbClr val="000000"/>
+                </a:solidFill>
+                <a:latin typeface="Menlo" panose="020B0609030804020204" pitchFamily="49" charset="0"/>
+              </a:rPr>
+              <a:t>&lt;</a:t>
+            </a:r>
+            <a:r>
+              <a:rPr lang="en" altLang="zh-CN" dirty="0" err="1">
+                <a:solidFill>
+                  <a:srgbClr val="267F99"/>
+                </a:solidFill>
+                <a:latin typeface="Menlo" panose="020B0609030804020204" pitchFamily="49" charset="0"/>
+              </a:rPr>
+              <a:t>MyTime</a:t>
+            </a:r>
+            <a:r>
+              <a:rPr lang="en" altLang="zh-CN" dirty="0">
+                <a:solidFill>
+                  <a:srgbClr val="000000"/>
+                </a:solidFill>
+                <a:latin typeface="Menlo" panose="020B0609030804020204" pitchFamily="49" charset="0"/>
+              </a:rPr>
+              <a:t>&gt; mt2 = </a:t>
+            </a:r>
+            <a:r>
+              <a:rPr lang="en" altLang="zh-CN" dirty="0">
+                <a:solidFill>
+                  <a:srgbClr val="267F99"/>
+                </a:solidFill>
+                <a:latin typeface="Menlo" panose="020B0609030804020204" pitchFamily="49" charset="0"/>
+              </a:rPr>
+              <a:t>std</a:t>
+            </a:r>
+            <a:r>
+              <a:rPr lang="en" altLang="zh-CN" dirty="0">
+                <a:solidFill>
+                  <a:srgbClr val="000000"/>
+                </a:solidFill>
+                <a:latin typeface="Menlo" panose="020B0609030804020204" pitchFamily="49" charset="0"/>
+              </a:rPr>
+              <a:t>::</a:t>
+            </a:r>
+            <a:r>
+              <a:rPr lang="en" altLang="zh-CN" dirty="0" err="1">
+                <a:solidFill>
+                  <a:srgbClr val="795E26"/>
+                </a:solidFill>
+                <a:latin typeface="Menlo" panose="020B0609030804020204" pitchFamily="49" charset="0"/>
+              </a:rPr>
+              <a:t>make_unique</a:t>
+            </a:r>
+            <a:r>
+              <a:rPr lang="en" altLang="zh-CN" dirty="0">
+                <a:solidFill>
+                  <a:srgbClr val="000000"/>
+                </a:solidFill>
+                <a:latin typeface="Menlo" panose="020B0609030804020204" pitchFamily="49" charset="0"/>
+              </a:rPr>
+              <a:t>&lt;</a:t>
+            </a:r>
+            <a:r>
+              <a:rPr lang="en" altLang="zh-CN" dirty="0" err="1">
+                <a:solidFill>
+                  <a:srgbClr val="267F99"/>
+                </a:solidFill>
+                <a:latin typeface="Menlo" panose="020B0609030804020204" pitchFamily="49" charset="0"/>
+              </a:rPr>
+              <a:t>MyTime</a:t>
+            </a:r>
+            <a:r>
+              <a:rPr lang="en" altLang="zh-CN" dirty="0">
+                <a:solidFill>
+                  <a:srgbClr val="000000"/>
+                </a:solidFill>
+                <a:latin typeface="Menlo" panose="020B0609030804020204" pitchFamily="49" charset="0"/>
+              </a:rPr>
+              <a:t>&gt;(</a:t>
+            </a:r>
+            <a:r>
+              <a:rPr lang="en" altLang="zh-CN" dirty="0">
+                <a:solidFill>
+                  <a:srgbClr val="098658"/>
+                </a:solidFill>
+                <a:latin typeface="Menlo" panose="020B0609030804020204" pitchFamily="49" charset="0"/>
+              </a:rPr>
+              <a:t>80</a:t>
+            </a:r>
+            <a:r>
+              <a:rPr lang="en" altLang="zh-CN" dirty="0">
+                <a:solidFill>
+                  <a:srgbClr val="000000"/>
+                </a:solidFill>
+                <a:latin typeface="Menlo" panose="020B0609030804020204" pitchFamily="49" charset="0"/>
+              </a:rPr>
+              <a:t>);</a:t>
+            </a:r>
+            <a:r>
+              <a:rPr lang="en" altLang="zh-CN" dirty="0">
+                <a:solidFill>
+                  <a:srgbClr val="008000"/>
+                </a:solidFill>
+                <a:latin typeface="Menlo" panose="020B0609030804020204" pitchFamily="49" charset="0"/>
+              </a:rPr>
+              <a:t> //</a:t>
+            </a:r>
+            <a:r>
+              <a:rPr lang="en" altLang="zh-CN" dirty="0" err="1">
+                <a:solidFill>
+                  <a:srgbClr val="008000"/>
+                </a:solidFill>
+                <a:latin typeface="Menlo" panose="020B0609030804020204" pitchFamily="49" charset="0"/>
+              </a:rPr>
+              <a:t>c++</a:t>
+            </a:r>
+            <a:r>
+              <a:rPr lang="en" altLang="zh-CN" dirty="0">
+                <a:solidFill>
+                  <a:srgbClr val="008000"/>
+                </a:solidFill>
+                <a:latin typeface="Menlo" panose="020B0609030804020204" pitchFamily="49" charset="0"/>
+              </a:rPr>
+              <a:t>17</a:t>
+            </a:r>
+          </a:p>
+          <a:p>
+            <a:endParaRPr lang="en" altLang="zh-CN" dirty="0">
+              <a:solidFill>
+                <a:srgbClr val="267F99"/>
+              </a:solidFill>
+              <a:latin typeface="Menlo" panose="020B0609030804020204" pitchFamily="49" charset="0"/>
+            </a:endParaRPr>
+          </a:p>
+          <a:p>
+            <a:r>
+              <a:rPr lang="en" altLang="zh-CN" dirty="0">
+                <a:solidFill>
+                  <a:srgbClr val="267F99"/>
+                </a:solidFill>
+                <a:latin typeface="Menlo" panose="020B0609030804020204" pitchFamily="49" charset="0"/>
+              </a:rPr>
+              <a:t>std</a:t>
+            </a:r>
+            <a:r>
+              <a:rPr lang="en" altLang="zh-CN" dirty="0">
+                <a:solidFill>
+                  <a:srgbClr val="000000"/>
+                </a:solidFill>
+                <a:latin typeface="Menlo" panose="020B0609030804020204" pitchFamily="49" charset="0"/>
+              </a:rPr>
+              <a:t>::</a:t>
+            </a:r>
+            <a:r>
+              <a:rPr lang="en" altLang="zh-CN" dirty="0" err="1">
+                <a:solidFill>
+                  <a:srgbClr val="000000"/>
+                </a:solidFill>
+                <a:latin typeface="Menlo" panose="020B0609030804020204" pitchFamily="49" charset="0"/>
+              </a:rPr>
+              <a:t>unique_ptr</a:t>
+            </a:r>
+            <a:r>
+              <a:rPr lang="en" altLang="zh-CN" dirty="0">
+                <a:solidFill>
+                  <a:srgbClr val="000000"/>
+                </a:solidFill>
+                <a:latin typeface="Menlo" panose="020B0609030804020204" pitchFamily="49" charset="0"/>
+              </a:rPr>
+              <a:t>&lt;</a:t>
+            </a:r>
+            <a:r>
+              <a:rPr lang="en" altLang="zh-CN" dirty="0" err="1">
+                <a:solidFill>
+                  <a:srgbClr val="267F99"/>
+                </a:solidFill>
+                <a:latin typeface="Menlo" panose="020B0609030804020204" pitchFamily="49" charset="0"/>
+              </a:rPr>
+              <a:t>MyTime</a:t>
+            </a:r>
+            <a:r>
+              <a:rPr lang="en" altLang="zh-CN" dirty="0">
+                <a:solidFill>
+                  <a:srgbClr val="000000"/>
+                </a:solidFill>
+                <a:latin typeface="Menlo" panose="020B0609030804020204" pitchFamily="49" charset="0"/>
+              </a:rPr>
+              <a:t>&gt; mt3 = </a:t>
+            </a:r>
+            <a:r>
+              <a:rPr lang="en" altLang="zh-CN" dirty="0">
+                <a:solidFill>
+                  <a:srgbClr val="267F99"/>
+                </a:solidFill>
+                <a:latin typeface="Menlo" panose="020B0609030804020204" pitchFamily="49" charset="0"/>
+              </a:rPr>
+              <a:t>std</a:t>
+            </a:r>
+            <a:r>
+              <a:rPr lang="en" altLang="zh-CN" dirty="0">
+                <a:solidFill>
+                  <a:srgbClr val="000000"/>
+                </a:solidFill>
+                <a:latin typeface="Menlo" panose="020B0609030804020204" pitchFamily="49" charset="0"/>
+              </a:rPr>
+              <a:t>::</a:t>
+            </a:r>
+            <a:r>
+              <a:rPr lang="en" altLang="zh-CN" dirty="0">
+                <a:solidFill>
+                  <a:srgbClr val="795E26"/>
+                </a:solidFill>
+                <a:latin typeface="Menlo" panose="020B0609030804020204" pitchFamily="49" charset="0"/>
+              </a:rPr>
+              <a:t>move</a:t>
+            </a:r>
+            <a:r>
+              <a:rPr lang="en" altLang="zh-CN" dirty="0">
+                <a:solidFill>
+                  <a:srgbClr val="000000"/>
+                </a:solidFill>
+                <a:latin typeface="Menlo" panose="020B0609030804020204" pitchFamily="49" charset="0"/>
+              </a:rPr>
+              <a:t>(mt1);</a:t>
+            </a:r>
+          </a:p>
+        </p:txBody>
+      </p:sp>
+    </p:spTree>
+    <p:extLst>
+      <p:ext uri="{BB962C8B-B14F-4D97-AF65-F5344CB8AC3E}">
+        <p14:creationId xmlns:p14="http://schemas.microsoft.com/office/powerpoint/2010/main" val="3070744208"/>
+      </p:ext>
+    </p:extLst>
+  </p:cSld>
+  <p:clrMapOvr>
+    <a:masterClrMapping/>
+  </p:clrMapOvr>
+</p:sld>
+</file>
+
+<file path=ppt/slides/slide23.xml><?xml version="1.0" encoding="utf-8"?>
+<p:sld xmlns:a="http://schemas.openxmlformats.org/drawingml/2006/main" xmlns:r="http://schemas.openxmlformats.org/officeDocument/2006/relationships" xmlns:p="http://schemas.openxmlformats.org/presentationml/2006/main">
+  <p:cSld>
+    <p:spTree>
+      <p:nvGrpSpPr>
+        <p:cNvPr id="1" name=""/>
+        <p:cNvGrpSpPr/>
+        <p:nvPr/>
+      </p:nvGrpSpPr>
+      <p:grpSpPr>
+        <a:xfrm>
+          <a:off x="0" y="0"/>
+          <a:ext cx="0" cy="0"/>
+          <a:chOff x="0" y="0"/>
+          <a:chExt cx="0" cy="0"/>
+        </a:xfrm>
+      </p:grpSpPr>
+      <p:sp>
+        <p:nvSpPr>
+          <p:cNvPr id="2" name="标题 1">
+            <a:extLst>
+              <a:ext uri="{FF2B5EF4-FFF2-40B4-BE49-F238E27FC236}">
+                <a16:creationId xmlns:a16="http://schemas.microsoft.com/office/drawing/2014/main" id="{22F3DC79-1746-7048-9BFF-3CC705D8F4CA}"/>
+              </a:ext>
+            </a:extLst>
+          </p:cNvPr>
+          <p:cNvSpPr>
+            <a:spLocks noGrp="1"/>
+          </p:cNvSpPr>
+          <p:nvPr>
+            <p:ph type="title"/>
+          </p:nvPr>
+        </p:nvSpPr>
+        <p:spPr/>
+        <p:txBody>
+          <a:bodyPr/>
+          <a:lstStyle/>
+          <a:p>
+            <a:r>
+              <a:rPr kumimoji="1" lang="en-US" altLang="zh-CN" dirty="0"/>
+              <a:t>How to Understand Smart Pointers</a:t>
+            </a:r>
+            <a:endParaRPr kumimoji="1" lang="zh-CN" altLang="en-US" dirty="0"/>
+          </a:p>
+        </p:txBody>
+      </p:sp>
+      <p:sp>
+        <p:nvSpPr>
+          <p:cNvPr id="3" name="内容占位符 2">
+            <a:extLst>
+              <a:ext uri="{FF2B5EF4-FFF2-40B4-BE49-F238E27FC236}">
+                <a16:creationId xmlns:a16="http://schemas.microsoft.com/office/drawing/2014/main" id="{BA6B04A8-A447-2745-A6A9-E876DFC74F77}"/>
+              </a:ext>
+            </a:extLst>
+          </p:cNvPr>
+          <p:cNvSpPr>
+            <a:spLocks noGrp="1"/>
+          </p:cNvSpPr>
+          <p:nvPr>
+            <p:ph idx="1"/>
+          </p:nvPr>
+        </p:nvSpPr>
+        <p:spPr>
+          <a:xfrm>
+            <a:off x="838199" y="1326995"/>
+            <a:ext cx="11053879" cy="4925524"/>
+          </a:xfrm>
+        </p:spPr>
+        <p:txBody>
+          <a:bodyPr/>
+          <a:lstStyle/>
+          <a:p>
+            <a:r>
+              <a:rPr kumimoji="1" lang="en-US" altLang="zh-CN" dirty="0"/>
+              <a:t>Let’s look at their definitions.</a:t>
+            </a:r>
+          </a:p>
+          <a:p>
+            <a:endParaRPr kumimoji="1" lang="en-US" altLang="zh-CN" dirty="0"/>
+          </a:p>
+          <a:p>
+            <a:endParaRPr kumimoji="1" lang="en-US" altLang="zh-CN" dirty="0"/>
+          </a:p>
+          <a:p>
+            <a:endParaRPr kumimoji="1" lang="en-US" altLang="zh-CN" dirty="0"/>
+          </a:p>
+          <a:p>
+            <a:endParaRPr kumimoji="1" lang="en-US" altLang="zh-CN" dirty="0"/>
+          </a:p>
+          <a:p>
+            <a:r>
+              <a:rPr kumimoji="1" lang="en-US" altLang="zh-CN" dirty="0"/>
+              <a:t>mt1 and mt2 are two objects of type </a:t>
+            </a:r>
+            <a:r>
+              <a:rPr kumimoji="1" lang="en-US" altLang="zh-CN" dirty="0" err="1"/>
+              <a:t>shared_ptr</a:t>
+            </a:r>
+            <a:r>
+              <a:rPr kumimoji="1" lang="en-US" altLang="zh-CN" dirty="0"/>
+              <a:t>&lt;&gt;.</a:t>
+            </a:r>
+          </a:p>
+          <a:p>
+            <a:pPr lvl="1"/>
+            <a:r>
+              <a:rPr kumimoji="1" lang="en-US" altLang="zh-CN" dirty="0"/>
+              <a:t>You can do a lot in the constructors and the destructor. </a:t>
+            </a:r>
+            <a:endParaRPr kumimoji="1" lang="zh-CN" altLang="en-US" dirty="0"/>
+          </a:p>
+        </p:txBody>
+      </p:sp>
+      <p:sp>
+        <p:nvSpPr>
+          <p:cNvPr id="4" name="矩形 3">
+            <a:extLst>
+              <a:ext uri="{FF2B5EF4-FFF2-40B4-BE49-F238E27FC236}">
+                <a16:creationId xmlns:a16="http://schemas.microsoft.com/office/drawing/2014/main" id="{72CC6096-D63D-144D-AA0B-44E520E4D9B0}"/>
+              </a:ext>
+            </a:extLst>
+          </p:cNvPr>
+          <p:cNvSpPr/>
+          <p:nvPr/>
+        </p:nvSpPr>
+        <p:spPr>
+          <a:xfrm>
+            <a:off x="1496596" y="1959774"/>
+            <a:ext cx="3613553" cy="369332"/>
+          </a:xfrm>
+          <a:prstGeom prst="rect">
+            <a:avLst/>
+          </a:prstGeom>
+        </p:spPr>
+        <p:txBody>
+          <a:bodyPr wrap="none">
+            <a:spAutoFit/>
+          </a:bodyPr>
+          <a:lstStyle/>
+          <a:p>
+            <a:r>
+              <a:rPr lang="en" altLang="zh-CN" dirty="0">
+                <a:solidFill>
+                  <a:srgbClr val="0000DD"/>
+                </a:solidFill>
+                <a:latin typeface="DejaVuSansMono"/>
+              </a:rPr>
+              <a:t>template</a:t>
+            </a:r>
+            <a:r>
+              <a:rPr lang="en" altLang="zh-CN" dirty="0">
+                <a:solidFill>
+                  <a:srgbClr val="000080"/>
+                </a:solidFill>
+                <a:latin typeface="DejaVuSansMono"/>
+              </a:rPr>
+              <a:t>&lt;</a:t>
+            </a:r>
+            <a:r>
+              <a:rPr lang="en" altLang="zh-CN" dirty="0">
+                <a:solidFill>
+                  <a:srgbClr val="000000"/>
+                </a:solidFill>
+                <a:latin typeface="DejaVuSansMono"/>
+              </a:rPr>
+              <a:t> </a:t>
+            </a:r>
+            <a:r>
+              <a:rPr lang="en" altLang="zh-CN" dirty="0">
+                <a:solidFill>
+                  <a:srgbClr val="0000DD"/>
+                </a:solidFill>
+                <a:latin typeface="DejaVuSansMono"/>
+              </a:rPr>
+              <a:t>class</a:t>
+            </a:r>
+            <a:r>
+              <a:rPr lang="en" altLang="zh-CN" dirty="0">
+                <a:solidFill>
+                  <a:srgbClr val="000000"/>
+                </a:solidFill>
+                <a:latin typeface="DejaVuSansMono"/>
+              </a:rPr>
+              <a:t> T </a:t>
+            </a:r>
+            <a:r>
+              <a:rPr lang="en" altLang="zh-CN" dirty="0">
+                <a:solidFill>
+                  <a:srgbClr val="000080"/>
+                </a:solidFill>
+                <a:latin typeface="DejaVuSansMono"/>
+              </a:rPr>
+              <a:t>&gt;</a:t>
+            </a:r>
+            <a:r>
+              <a:rPr lang="en" altLang="zh-CN" dirty="0">
+                <a:solidFill>
+                  <a:srgbClr val="000000"/>
+                </a:solidFill>
+                <a:latin typeface="DejaVuSansMono"/>
+              </a:rPr>
+              <a:t> </a:t>
+            </a:r>
+            <a:r>
+              <a:rPr lang="en" altLang="zh-CN" dirty="0">
+                <a:solidFill>
+                  <a:srgbClr val="0000DD"/>
+                </a:solidFill>
+                <a:latin typeface="DejaVuSansMono"/>
+              </a:rPr>
+              <a:t>class</a:t>
+            </a:r>
+            <a:r>
+              <a:rPr lang="en" altLang="zh-CN" dirty="0">
+                <a:solidFill>
+                  <a:srgbClr val="000000"/>
+                </a:solidFill>
+                <a:latin typeface="DejaVuSansMono"/>
+              </a:rPr>
+              <a:t> </a:t>
+            </a:r>
+            <a:r>
+              <a:rPr lang="en" altLang="zh-CN" dirty="0" err="1">
+                <a:solidFill>
+                  <a:srgbClr val="000000"/>
+                </a:solidFill>
+                <a:latin typeface="DejaVuSansMono"/>
+              </a:rPr>
+              <a:t>shared_ptr</a:t>
+            </a:r>
+            <a:r>
+              <a:rPr lang="en" altLang="zh-CN" dirty="0">
+                <a:solidFill>
+                  <a:srgbClr val="008080"/>
+                </a:solidFill>
+                <a:latin typeface="DejaVuSansMono"/>
+              </a:rPr>
+              <a:t>;</a:t>
+            </a:r>
+            <a:endParaRPr lang="zh-CN" altLang="en-US" dirty="0"/>
+          </a:p>
+        </p:txBody>
+      </p:sp>
+      <p:sp>
+        <p:nvSpPr>
+          <p:cNvPr id="5" name="矩形 4">
+            <a:extLst>
+              <a:ext uri="{FF2B5EF4-FFF2-40B4-BE49-F238E27FC236}">
+                <a16:creationId xmlns:a16="http://schemas.microsoft.com/office/drawing/2014/main" id="{C29EF9E3-7818-AD4F-A167-CB1682026419}"/>
+              </a:ext>
+            </a:extLst>
+          </p:cNvPr>
+          <p:cNvSpPr/>
+          <p:nvPr/>
+        </p:nvSpPr>
+        <p:spPr>
+          <a:xfrm>
+            <a:off x="1496596" y="2454396"/>
+            <a:ext cx="6096000" cy="1200329"/>
+          </a:xfrm>
+          <a:prstGeom prst="rect">
+            <a:avLst/>
+          </a:prstGeom>
+        </p:spPr>
+        <p:txBody>
+          <a:bodyPr>
+            <a:spAutoFit/>
+          </a:bodyPr>
+          <a:lstStyle/>
+          <a:p>
+            <a:r>
+              <a:rPr lang="en" altLang="zh-CN" dirty="0">
+                <a:solidFill>
+                  <a:srgbClr val="0000DD"/>
+                </a:solidFill>
+                <a:latin typeface="DejaVuSansMono"/>
+              </a:rPr>
+              <a:t>template</a:t>
+            </a:r>
+            <a:r>
+              <a:rPr lang="en" altLang="zh-CN" dirty="0">
+                <a:solidFill>
+                  <a:srgbClr val="000080"/>
+                </a:solidFill>
+                <a:latin typeface="DejaVuSansMono"/>
+              </a:rPr>
+              <a:t>&lt;</a:t>
+            </a:r>
+            <a:br>
+              <a:rPr lang="en" altLang="zh-CN" dirty="0"/>
+            </a:br>
+            <a:r>
+              <a:rPr lang="en" altLang="zh-CN" dirty="0">
+                <a:solidFill>
+                  <a:srgbClr val="000000"/>
+                </a:solidFill>
+                <a:latin typeface="DejaVuSansMono"/>
+              </a:rPr>
+              <a:t>    </a:t>
+            </a:r>
+            <a:r>
+              <a:rPr lang="en" altLang="zh-CN" dirty="0">
+                <a:solidFill>
+                  <a:srgbClr val="0000DD"/>
+                </a:solidFill>
+                <a:latin typeface="DejaVuSansMono"/>
+              </a:rPr>
+              <a:t>class</a:t>
+            </a:r>
+            <a:r>
+              <a:rPr lang="en" altLang="zh-CN" dirty="0">
+                <a:solidFill>
+                  <a:srgbClr val="000000"/>
+                </a:solidFill>
+                <a:latin typeface="DejaVuSansMono"/>
+              </a:rPr>
+              <a:t> T,</a:t>
+            </a:r>
+            <a:br>
+              <a:rPr lang="en" altLang="zh-CN" dirty="0">
+                <a:solidFill>
+                  <a:srgbClr val="000000"/>
+                </a:solidFill>
+                <a:latin typeface="DejaVuSansMono"/>
+              </a:rPr>
+            </a:br>
+            <a:r>
+              <a:rPr lang="en" altLang="zh-CN" dirty="0">
+                <a:solidFill>
+                  <a:srgbClr val="000000"/>
+                </a:solidFill>
+                <a:latin typeface="DejaVuSansMono"/>
+              </a:rPr>
+              <a:t>    </a:t>
+            </a:r>
+            <a:r>
+              <a:rPr lang="en" altLang="zh-CN" dirty="0">
+                <a:solidFill>
+                  <a:srgbClr val="0000DD"/>
+                </a:solidFill>
+                <a:latin typeface="DejaVuSansMono"/>
+              </a:rPr>
+              <a:t>class</a:t>
+            </a:r>
+            <a:r>
+              <a:rPr lang="en" altLang="zh-CN" dirty="0">
+                <a:solidFill>
+                  <a:srgbClr val="000000"/>
+                </a:solidFill>
+                <a:latin typeface="DejaVuSansMono"/>
+              </a:rPr>
+              <a:t> </a:t>
+            </a:r>
+            <a:r>
+              <a:rPr lang="en" altLang="zh-CN" dirty="0" err="1">
+                <a:solidFill>
+                  <a:srgbClr val="000000"/>
+                </a:solidFill>
+                <a:latin typeface="DejaVuSansMono"/>
+              </a:rPr>
+              <a:t>Deleter</a:t>
+            </a:r>
+            <a:r>
+              <a:rPr lang="en" altLang="zh-CN" dirty="0">
+                <a:solidFill>
+                  <a:srgbClr val="000000"/>
+                </a:solidFill>
+                <a:latin typeface="DejaVuSansMono"/>
+              </a:rPr>
+              <a:t> </a:t>
+            </a:r>
+            <a:r>
+              <a:rPr lang="en" altLang="zh-CN" dirty="0">
+                <a:solidFill>
+                  <a:srgbClr val="000080"/>
+                </a:solidFill>
+                <a:latin typeface="DejaVuSansMono"/>
+              </a:rPr>
+              <a:t>=</a:t>
+            </a:r>
+            <a:r>
+              <a:rPr lang="en" altLang="zh-CN" dirty="0">
+                <a:solidFill>
+                  <a:srgbClr val="000000"/>
+                </a:solidFill>
+                <a:latin typeface="DejaVuSansMono"/>
+              </a:rPr>
+              <a:t> </a:t>
+            </a:r>
+            <a:r>
+              <a:rPr lang="en" altLang="zh-CN" dirty="0">
+                <a:solidFill>
+                  <a:srgbClr val="003080"/>
+                </a:solidFill>
+                <a:latin typeface="DejaVuSansMono"/>
+                <a:hlinkClick r:id="rId2">
+                  <a:extLst>
+                    <a:ext uri="{A12FA001-AC4F-418D-AE19-62706E023703}">
+                      <ahyp:hlinkClr xmlns:ahyp="http://schemas.microsoft.com/office/drawing/2018/hyperlinkcolor" val="tx"/>
+                    </a:ext>
+                  </a:extLst>
+                </a:hlinkClick>
+              </a:rPr>
+              <a:t>std::default_delete</a:t>
+            </a:r>
+            <a:r>
+              <a:rPr lang="en" altLang="zh-CN" dirty="0">
+                <a:solidFill>
+                  <a:srgbClr val="000080"/>
+                </a:solidFill>
+                <a:latin typeface="DejaVuSansMono"/>
+              </a:rPr>
+              <a:t>&lt;</a:t>
+            </a:r>
+            <a:r>
+              <a:rPr lang="en" altLang="zh-CN" dirty="0">
+                <a:solidFill>
+                  <a:srgbClr val="000000"/>
+                </a:solidFill>
+                <a:latin typeface="DejaVuSansMono"/>
+              </a:rPr>
+              <a:t>T</a:t>
+            </a:r>
+            <a:r>
+              <a:rPr lang="en" altLang="zh-CN" dirty="0">
+                <a:solidFill>
+                  <a:srgbClr val="000080"/>
+                </a:solidFill>
+                <a:latin typeface="DejaVuSansMono"/>
+              </a:rPr>
+              <a:t>&gt;</a:t>
+            </a:r>
+            <a:endParaRPr lang="en" altLang="zh-CN" dirty="0">
+              <a:solidFill>
+                <a:srgbClr val="000000"/>
+              </a:solidFill>
+              <a:latin typeface="DejaVuSansMono"/>
+            </a:endParaRPr>
+          </a:p>
+          <a:p>
+            <a:r>
+              <a:rPr lang="en" altLang="zh-CN" dirty="0">
+                <a:solidFill>
+                  <a:srgbClr val="000080"/>
+                </a:solidFill>
+                <a:latin typeface="DejaVuSansMono"/>
+              </a:rPr>
+              <a:t>&gt;</a:t>
+            </a:r>
+            <a:r>
+              <a:rPr lang="en" altLang="zh-CN" dirty="0">
+                <a:solidFill>
+                  <a:srgbClr val="000000"/>
+                </a:solidFill>
+                <a:latin typeface="DejaVuSansMono"/>
+              </a:rPr>
+              <a:t> </a:t>
+            </a:r>
+            <a:r>
+              <a:rPr lang="en" altLang="zh-CN" dirty="0">
+                <a:solidFill>
+                  <a:srgbClr val="0000DD"/>
+                </a:solidFill>
+                <a:latin typeface="DejaVuSansMono"/>
+              </a:rPr>
+              <a:t>class</a:t>
+            </a:r>
+            <a:r>
+              <a:rPr lang="en" altLang="zh-CN" dirty="0">
+                <a:solidFill>
+                  <a:srgbClr val="000000"/>
+                </a:solidFill>
+                <a:latin typeface="DejaVuSansMono"/>
+              </a:rPr>
+              <a:t> </a:t>
+            </a:r>
+            <a:r>
+              <a:rPr lang="en" altLang="zh-CN" dirty="0" err="1">
+                <a:solidFill>
+                  <a:srgbClr val="000000"/>
+                </a:solidFill>
+                <a:latin typeface="DejaVuSansMono"/>
+              </a:rPr>
+              <a:t>unique_ptr</a:t>
+            </a:r>
+            <a:r>
+              <a:rPr lang="en" altLang="zh-CN" dirty="0">
+                <a:solidFill>
+                  <a:srgbClr val="008080"/>
+                </a:solidFill>
+                <a:latin typeface="DejaVuSansMono"/>
+              </a:rPr>
+              <a:t>;</a:t>
+            </a:r>
+            <a:endParaRPr lang="zh-CN" altLang="en-US" dirty="0"/>
+          </a:p>
+        </p:txBody>
+      </p:sp>
+      <p:sp>
+        <p:nvSpPr>
+          <p:cNvPr id="6" name="矩形 5">
+            <a:extLst>
+              <a:ext uri="{FF2B5EF4-FFF2-40B4-BE49-F238E27FC236}">
+                <a16:creationId xmlns:a16="http://schemas.microsoft.com/office/drawing/2014/main" id="{27556BB1-AFE5-D94B-A6ED-B28895CE6E2E}"/>
+              </a:ext>
+            </a:extLst>
+          </p:cNvPr>
+          <p:cNvSpPr/>
+          <p:nvPr/>
+        </p:nvSpPr>
+        <p:spPr>
+          <a:xfrm>
+            <a:off x="1343528" y="5010809"/>
+            <a:ext cx="8530281" cy="646331"/>
+          </a:xfrm>
+          <a:prstGeom prst="rect">
+            <a:avLst/>
+          </a:prstGeom>
+        </p:spPr>
+        <p:txBody>
+          <a:bodyPr wrap="square">
+            <a:spAutoFit/>
+          </a:bodyPr>
+          <a:lstStyle/>
+          <a:p>
+            <a:r>
+              <a:rPr lang="en" altLang="zh-CN" dirty="0">
+                <a:solidFill>
+                  <a:srgbClr val="267F99"/>
+                </a:solidFill>
+                <a:latin typeface="Menlo" panose="020B0609030804020204" pitchFamily="49" charset="0"/>
+              </a:rPr>
+              <a:t>std</a:t>
+            </a:r>
+            <a:r>
+              <a:rPr lang="en" altLang="zh-CN" dirty="0">
+                <a:solidFill>
+                  <a:srgbClr val="000000"/>
+                </a:solidFill>
+                <a:latin typeface="Menlo" panose="020B0609030804020204" pitchFamily="49" charset="0"/>
+              </a:rPr>
+              <a:t>::</a:t>
+            </a:r>
+            <a:r>
+              <a:rPr lang="en" altLang="zh-CN" dirty="0" err="1">
+                <a:solidFill>
+                  <a:srgbClr val="000000"/>
+                </a:solidFill>
+                <a:latin typeface="Menlo" panose="020B0609030804020204" pitchFamily="49" charset="0"/>
+              </a:rPr>
+              <a:t>shared_ptr</a:t>
+            </a:r>
+            <a:r>
+              <a:rPr lang="en" altLang="zh-CN" dirty="0">
+                <a:solidFill>
+                  <a:srgbClr val="000000"/>
+                </a:solidFill>
+                <a:latin typeface="Menlo" panose="020B0609030804020204" pitchFamily="49" charset="0"/>
+              </a:rPr>
+              <a:t>&lt;</a:t>
+            </a:r>
+            <a:r>
+              <a:rPr lang="en" altLang="zh-CN" dirty="0" err="1">
+                <a:solidFill>
+                  <a:srgbClr val="267F99"/>
+                </a:solidFill>
+                <a:latin typeface="Menlo" panose="020B0609030804020204" pitchFamily="49" charset="0"/>
+              </a:rPr>
+              <a:t>MyTime</a:t>
+            </a:r>
+            <a:r>
+              <a:rPr lang="en" altLang="zh-CN" dirty="0">
+                <a:solidFill>
+                  <a:srgbClr val="000000"/>
+                </a:solidFill>
+                <a:latin typeface="Menlo" panose="020B0609030804020204" pitchFamily="49" charset="0"/>
+              </a:rPr>
+              <a:t>&gt; </a:t>
+            </a:r>
+            <a:r>
+              <a:rPr lang="en" altLang="zh-CN" dirty="0">
+                <a:solidFill>
+                  <a:srgbClr val="795E26"/>
+                </a:solidFill>
+                <a:latin typeface="Menlo" panose="020B0609030804020204" pitchFamily="49" charset="0"/>
+              </a:rPr>
+              <a:t>mt1</a:t>
+            </a:r>
+            <a:r>
+              <a:rPr lang="en" altLang="zh-CN" dirty="0">
+                <a:solidFill>
+                  <a:srgbClr val="000000"/>
+                </a:solidFill>
+                <a:latin typeface="Menlo" panose="020B0609030804020204" pitchFamily="49" charset="0"/>
+              </a:rPr>
+              <a:t>(</a:t>
+            </a:r>
+            <a:r>
+              <a:rPr lang="en" altLang="zh-CN" dirty="0">
+                <a:solidFill>
+                  <a:srgbClr val="AF00DB"/>
+                </a:solidFill>
+                <a:latin typeface="Menlo" panose="020B0609030804020204" pitchFamily="49" charset="0"/>
+              </a:rPr>
+              <a:t>new</a:t>
+            </a:r>
+            <a:r>
+              <a:rPr lang="en" altLang="zh-CN" dirty="0">
+                <a:solidFill>
+                  <a:srgbClr val="000000"/>
+                </a:solidFill>
+                <a:latin typeface="Menlo" panose="020B0609030804020204" pitchFamily="49" charset="0"/>
+              </a:rPr>
+              <a:t> </a:t>
+            </a:r>
+            <a:r>
+              <a:rPr lang="en" altLang="zh-CN" dirty="0" err="1">
+                <a:solidFill>
+                  <a:srgbClr val="267F99"/>
+                </a:solidFill>
+                <a:latin typeface="Menlo" panose="020B0609030804020204" pitchFamily="49" charset="0"/>
+              </a:rPr>
+              <a:t>MyTime</a:t>
+            </a:r>
+            <a:r>
+              <a:rPr lang="en" altLang="zh-CN" dirty="0">
+                <a:solidFill>
+                  <a:srgbClr val="000000"/>
+                </a:solidFill>
+                <a:latin typeface="Menlo" panose="020B0609030804020204" pitchFamily="49" charset="0"/>
+              </a:rPr>
+              <a:t>(</a:t>
+            </a:r>
+            <a:r>
+              <a:rPr lang="en" altLang="zh-CN" dirty="0">
+                <a:solidFill>
+                  <a:srgbClr val="098658"/>
+                </a:solidFill>
+                <a:latin typeface="Menlo" panose="020B0609030804020204" pitchFamily="49" charset="0"/>
+              </a:rPr>
+              <a:t>10</a:t>
+            </a:r>
+            <a:r>
+              <a:rPr lang="en" altLang="zh-CN" dirty="0">
+                <a:solidFill>
+                  <a:srgbClr val="000000"/>
+                </a:solidFill>
+                <a:latin typeface="Menlo" panose="020B0609030804020204" pitchFamily="49" charset="0"/>
+              </a:rPr>
+              <a:t>));</a:t>
+            </a:r>
+          </a:p>
+          <a:p>
+            <a:r>
+              <a:rPr lang="en" altLang="zh-CN" dirty="0">
+                <a:solidFill>
+                  <a:srgbClr val="267F99"/>
+                </a:solidFill>
+                <a:latin typeface="Menlo" panose="020B0609030804020204" pitchFamily="49" charset="0"/>
+              </a:rPr>
+              <a:t>std</a:t>
+            </a:r>
+            <a:r>
+              <a:rPr lang="en" altLang="zh-CN" dirty="0">
+                <a:solidFill>
+                  <a:srgbClr val="000000"/>
+                </a:solidFill>
+                <a:latin typeface="Menlo" panose="020B0609030804020204" pitchFamily="49" charset="0"/>
+              </a:rPr>
+              <a:t>::</a:t>
+            </a:r>
+            <a:r>
+              <a:rPr lang="en" altLang="zh-CN" dirty="0" err="1">
+                <a:solidFill>
+                  <a:srgbClr val="000000"/>
+                </a:solidFill>
+                <a:latin typeface="Menlo" panose="020B0609030804020204" pitchFamily="49" charset="0"/>
+              </a:rPr>
+              <a:t>shared_ptr</a:t>
+            </a:r>
+            <a:r>
+              <a:rPr lang="en" altLang="zh-CN" dirty="0">
+                <a:solidFill>
+                  <a:srgbClr val="000000"/>
+                </a:solidFill>
+                <a:latin typeface="Menlo" panose="020B0609030804020204" pitchFamily="49" charset="0"/>
+              </a:rPr>
+              <a:t>&lt;</a:t>
+            </a:r>
+            <a:r>
+              <a:rPr lang="en" altLang="zh-CN" dirty="0" err="1">
+                <a:solidFill>
+                  <a:srgbClr val="267F99"/>
+                </a:solidFill>
+                <a:latin typeface="Menlo" panose="020B0609030804020204" pitchFamily="49" charset="0"/>
+              </a:rPr>
+              <a:t>MyTime</a:t>
+            </a:r>
+            <a:r>
+              <a:rPr lang="en" altLang="zh-CN" dirty="0">
+                <a:solidFill>
+                  <a:srgbClr val="000000"/>
+                </a:solidFill>
+                <a:latin typeface="Menlo" panose="020B0609030804020204" pitchFamily="49" charset="0"/>
+              </a:rPr>
+              <a:t>&gt; mt2 = mt1;</a:t>
+            </a:r>
+          </a:p>
+        </p:txBody>
+      </p:sp>
+    </p:spTree>
+    <p:extLst>
+      <p:ext uri="{BB962C8B-B14F-4D97-AF65-F5344CB8AC3E}">
+        <p14:creationId xmlns:p14="http://schemas.microsoft.com/office/powerpoint/2010/main" val="3731860617"/>
+      </p:ext>
+    </p:extLst>
+  </p:cSld>
+  <p:clrMapOvr>
+    <a:masterClrMapping/>
+  </p:clrMapOvr>
+  <p:timing>
+    <p:tnLst>
+      <p:par>
+        <p:cTn id="1" dur="indefinite" restart="never" nodeType="tmRoot">
+          <p:childTnLst>
+            <p:seq concurrent="1" nextAc="seek">
+              <p:cTn id="2" dur="indefinite" nodeType="mainSeq">
+                <p:childTnLst>
+                  <p:par>
+                    <p:cTn id="3" fill="hold">
+                      <p:stCondLst>
+                        <p:cond delay="indefinite"/>
+                      </p:stCondLst>
+                      <p:childTnLst>
+                        <p:par>
+                          <p:cTn id="4" fill="hold">
+                            <p:stCondLst>
+                              <p:cond delay="0"/>
+                            </p:stCondLst>
+                            <p:childTnLst>
+                              <p:par>
+                                <p:cTn id="5" presetID="1" presetClass="entr" presetSubtype="0" fill="hold" nodeType="clickEffect">
+                                  <p:stCondLst>
+                                    <p:cond delay="0"/>
+                                  </p:stCondLst>
+                                  <p:childTnLst>
+                                    <p:set>
+                                      <p:cBhvr>
+                                        <p:cTn id="6" dur="1" fill="hold">
+                                          <p:stCondLst>
+                                            <p:cond delay="0"/>
+                                          </p:stCondLst>
+                                        </p:cTn>
+                                        <p:tgtEl>
+                                          <p:spTgt spid="3">
+                                            <p:txEl>
+                                              <p:pRg st="5" end="5"/>
+                                            </p:txEl>
+                                          </p:spTgt>
+                                        </p:tgtEl>
+                                        <p:attrNameLst>
+                                          <p:attrName>style.visibility</p:attrName>
+                                        </p:attrNameLst>
+                                      </p:cBhvr>
+                                      <p:to>
+                                        <p:strVal val="visible"/>
+                                      </p:to>
+                                    </p:set>
+                                  </p:childTnLst>
+                                </p:cTn>
+                              </p:par>
+                              <p:par>
+                                <p:cTn id="7" presetID="1" presetClass="entr" presetSubtype="0" fill="hold" nodeType="withEffect">
+                                  <p:stCondLst>
+                                    <p:cond delay="0"/>
+                                  </p:stCondLst>
+                                  <p:childTnLst>
+                                    <p:set>
+                                      <p:cBhvr>
+                                        <p:cTn id="8" dur="1" fill="hold">
+                                          <p:stCondLst>
+                                            <p:cond delay="0"/>
+                                          </p:stCondLst>
+                                        </p:cTn>
+                                        <p:tgtEl>
+                                          <p:spTgt spid="3">
+                                            <p:txEl>
+                                              <p:pRg st="6" end="6"/>
+                                            </p:txEl>
+                                          </p:spTgt>
+                                        </p:tgtEl>
+                                        <p:attrNameLst>
+                                          <p:attrName>style.visibility</p:attrName>
+                                        </p:attrNameLst>
+                                      </p:cBhvr>
+                                      <p:to>
+                                        <p:strVal val="visible"/>
+                                      </p:to>
+                                    </p:set>
+                                  </p:childTnLst>
+                                </p:cTn>
+                              </p:par>
+                            </p:childTnLst>
+                          </p:cTn>
+                        </p:par>
+                        <p:par>
+                          <p:cTn id="9" fill="hold">
+                            <p:stCondLst>
+                              <p:cond delay="0"/>
+                            </p:stCondLst>
+                            <p:childTnLst>
+                              <p:par>
+                                <p:cTn id="10" presetID="1" presetClass="entr" presetSubtype="0" fill="hold" grpId="0" nodeType="afterEffect">
+                                  <p:stCondLst>
+                                    <p:cond delay="0"/>
+                                  </p:stCondLst>
+                                  <p:childTnLst>
+                                    <p:set>
+                                      <p:cBhvr>
+                                        <p:cTn id="11" dur="1" fill="hold">
+                                          <p:stCondLst>
+                                            <p:cond delay="0"/>
+                                          </p:stCondLst>
+                                        </p:cTn>
+                                        <p:tgtEl>
+                                          <p:spTgt spid="6"/>
+                                        </p:tgtEl>
+                                        <p:attrNameLst>
+                                          <p:attrName>style.visibility</p:attrName>
+                                        </p:attrNameLst>
+                                      </p:cBhvr>
+                                      <p:to>
+                                        <p:strVal val="visible"/>
+                                      </p:to>
+                                    </p:set>
+                                  </p:childTnLst>
+                                </p:cTn>
+                              </p:par>
+                            </p:childTnLst>
+                          </p:cTn>
+                        </p:par>
+                      </p:childTnLst>
+                    </p:cTn>
+                  </p:par>
+                </p:childTnLst>
+              </p:cTn>
+              <p:prevCondLst>
+                <p:cond evt="onPrev" delay="0">
+                  <p:tgtEl>
+                    <p:sldTgt/>
+                  </p:tgtEl>
+                </p:cond>
+              </p:prevCondLst>
+              <p:nextCondLst>
+                <p:cond evt="onNext" delay="0">
+                  <p:tgtEl>
+                    <p:sldTgt/>
+                  </p:tgtEl>
+                </p:cond>
+              </p:nextCondLst>
+            </p:seq>
+          </p:childTnLst>
+        </p:cTn>
+      </p:par>
+    </p:tnLst>
+    <p:bldLst>
+      <p:bldP spid="6" grpId="0"/>
+    </p:bldLst>
+  </p:timing>
 </p:sld>
 </file>
 
@@ -8397,6 +10211,328 @@
   <p:clrMapOvr>
     <a:masterClrMapping/>
   </p:clrMapOvr>
+  <p:timing>
+    <p:tnLst>
+      <p:par>
+        <p:cTn id="1" dur="indefinite" restart="never" nodeType="tmRoot">
+          <p:childTnLst>
+            <p:seq concurrent="1" nextAc="seek">
+              <p:cTn id="2" dur="indefinite" nodeType="mainSeq">
+                <p:childTnLst>
+                  <p:par>
+                    <p:cTn id="3" fill="hold">
+                      <p:stCondLst>
+                        <p:cond delay="indefinite"/>
+                      </p:stCondLst>
+                      <p:childTnLst>
+                        <p:par>
+                          <p:cTn id="4" fill="hold">
+                            <p:stCondLst>
+                              <p:cond delay="0"/>
+                            </p:stCondLst>
+                            <p:childTnLst>
+                              <p:par>
+                                <p:cTn id="5" presetID="1" presetClass="entr" presetSubtype="0" fill="hold" nodeType="clickEffect">
+                                  <p:stCondLst>
+                                    <p:cond delay="0"/>
+                                  </p:stCondLst>
+                                  <p:childTnLst>
+                                    <p:set>
+                                      <p:cBhvr>
+                                        <p:cTn id="6" dur="1" fill="hold">
+                                          <p:stCondLst>
+                                            <p:cond delay="0"/>
+                                          </p:stCondLst>
+                                        </p:cTn>
+                                        <p:tgtEl>
+                                          <p:spTgt spid="3">
+                                            <p:txEl>
+                                              <p:pRg st="1" end="1"/>
+                                            </p:txEl>
+                                          </p:spTgt>
+                                        </p:tgtEl>
+                                        <p:attrNameLst>
+                                          <p:attrName>style.visibility</p:attrName>
+                                        </p:attrNameLst>
+                                      </p:cBhvr>
+                                      <p:to>
+                                        <p:strVal val="visible"/>
+                                      </p:to>
+                                    </p:set>
+                                  </p:childTnLst>
+                                </p:cTn>
+                              </p:par>
+                            </p:childTnLst>
+                          </p:cTn>
+                        </p:par>
+                        <p:par>
+                          <p:cTn id="7" fill="hold">
+                            <p:stCondLst>
+                              <p:cond delay="0"/>
+                            </p:stCondLst>
+                            <p:childTnLst>
+                              <p:par>
+                                <p:cTn id="8" presetID="1" presetClass="entr" presetSubtype="0" fill="hold" grpId="0" nodeType="afterEffect">
+                                  <p:stCondLst>
+                                    <p:cond delay="0"/>
+                                  </p:stCondLst>
+                                  <p:childTnLst>
+                                    <p:set>
+                                      <p:cBhvr>
+                                        <p:cTn id="9" dur="1" fill="hold">
+                                          <p:stCondLst>
+                                            <p:cond delay="0"/>
+                                          </p:stCondLst>
+                                        </p:cTn>
+                                        <p:tgtEl>
+                                          <p:spTgt spid="5"/>
+                                        </p:tgtEl>
+                                        <p:attrNameLst>
+                                          <p:attrName>style.visibility</p:attrName>
+                                        </p:attrNameLst>
+                                      </p:cBhvr>
+                                      <p:to>
+                                        <p:strVal val="visible"/>
+                                      </p:to>
+                                    </p:set>
+                                  </p:childTnLst>
+                                </p:cTn>
+                              </p:par>
+                            </p:childTnLst>
+                          </p:cTn>
+                        </p:par>
+                      </p:childTnLst>
+                    </p:cTn>
+                  </p:par>
+                  <p:par>
+                    <p:cTn id="10" fill="hold">
+                      <p:stCondLst>
+                        <p:cond delay="indefinite"/>
+                      </p:stCondLst>
+                      <p:childTnLst>
+                        <p:par>
+                          <p:cTn id="11" fill="hold">
+                            <p:stCondLst>
+                              <p:cond delay="0"/>
+                            </p:stCondLst>
+                            <p:childTnLst>
+                              <p:par>
+                                <p:cTn id="12" presetID="1" presetClass="entr" presetSubtype="0" fill="hold" grpId="0" nodeType="clickEffect">
+                                  <p:stCondLst>
+                                    <p:cond delay="0"/>
+                                  </p:stCondLst>
+                                  <p:childTnLst>
+                                    <p:set>
+                                      <p:cBhvr>
+                                        <p:cTn id="13" dur="1" fill="hold">
+                                          <p:stCondLst>
+                                            <p:cond delay="0"/>
+                                          </p:stCondLst>
+                                        </p:cTn>
+                                        <p:tgtEl>
+                                          <p:spTgt spid="9"/>
+                                        </p:tgtEl>
+                                        <p:attrNameLst>
+                                          <p:attrName>style.visibility</p:attrName>
+                                        </p:attrNameLst>
+                                      </p:cBhvr>
+                                      <p:to>
+                                        <p:strVal val="visible"/>
+                                      </p:to>
+                                    </p:set>
+                                  </p:childTnLst>
+                                </p:cTn>
+                              </p:par>
+                              <p:par>
+                                <p:cTn id="14" presetID="1" presetClass="entr" presetSubtype="0" fill="hold" grpId="0" nodeType="withEffect">
+                                  <p:stCondLst>
+                                    <p:cond delay="0"/>
+                                  </p:stCondLst>
+                                  <p:childTnLst>
+                                    <p:set>
+                                      <p:cBhvr>
+                                        <p:cTn id="15" dur="1" fill="hold">
+                                          <p:stCondLst>
+                                            <p:cond delay="0"/>
+                                          </p:stCondLst>
+                                        </p:cTn>
+                                        <p:tgtEl>
+                                          <p:spTgt spid="7"/>
+                                        </p:tgtEl>
+                                        <p:attrNameLst>
+                                          <p:attrName>style.visibility</p:attrName>
+                                        </p:attrNameLst>
+                                      </p:cBhvr>
+                                      <p:to>
+                                        <p:strVal val="visible"/>
+                                      </p:to>
+                                    </p:set>
+                                  </p:childTnLst>
+                                </p:cTn>
+                              </p:par>
+                              <p:par>
+                                <p:cTn id="16" presetID="1" presetClass="entr" presetSubtype="0" fill="hold" grpId="0" nodeType="withEffect">
+                                  <p:stCondLst>
+                                    <p:cond delay="0"/>
+                                  </p:stCondLst>
+                                  <p:childTnLst>
+                                    <p:set>
+                                      <p:cBhvr>
+                                        <p:cTn id="17" dur="1" fill="hold">
+                                          <p:stCondLst>
+                                            <p:cond delay="0"/>
+                                          </p:stCondLst>
+                                        </p:cTn>
+                                        <p:tgtEl>
+                                          <p:spTgt spid="8"/>
+                                        </p:tgtEl>
+                                        <p:attrNameLst>
+                                          <p:attrName>style.visibility</p:attrName>
+                                        </p:attrNameLst>
+                                      </p:cBhvr>
+                                      <p:to>
+                                        <p:strVal val="visible"/>
+                                      </p:to>
+                                    </p:set>
+                                  </p:childTnLst>
+                                </p:cTn>
+                              </p:par>
+                            </p:childTnLst>
+                          </p:cTn>
+                        </p:par>
+                      </p:childTnLst>
+                    </p:cTn>
+                  </p:par>
+                  <p:par>
+                    <p:cTn id="18" fill="hold">
+                      <p:stCondLst>
+                        <p:cond delay="indefinite"/>
+                      </p:stCondLst>
+                      <p:childTnLst>
+                        <p:par>
+                          <p:cTn id="19" fill="hold">
+                            <p:stCondLst>
+                              <p:cond delay="0"/>
+                            </p:stCondLst>
+                            <p:childTnLst>
+                              <p:par>
+                                <p:cTn id="20" presetID="1" presetClass="entr" presetSubtype="0" fill="hold" grpId="0" nodeType="clickEffect">
+                                  <p:stCondLst>
+                                    <p:cond delay="0"/>
+                                  </p:stCondLst>
+                                  <p:childTnLst>
+                                    <p:set>
+                                      <p:cBhvr>
+                                        <p:cTn id="21" dur="1" fill="hold">
+                                          <p:stCondLst>
+                                            <p:cond delay="0"/>
+                                          </p:stCondLst>
+                                        </p:cTn>
+                                        <p:tgtEl>
+                                          <p:spTgt spid="6"/>
+                                        </p:tgtEl>
+                                        <p:attrNameLst>
+                                          <p:attrName>style.visibility</p:attrName>
+                                        </p:attrNameLst>
+                                      </p:cBhvr>
+                                      <p:to>
+                                        <p:strVal val="visible"/>
+                                      </p:to>
+                                    </p:set>
+                                  </p:childTnLst>
+                                </p:cTn>
+                              </p:par>
+                              <p:par>
+                                <p:cTn id="22" presetID="1" presetClass="entr" presetSubtype="0" fill="hold" grpId="0" nodeType="withEffect">
+                                  <p:stCondLst>
+                                    <p:cond delay="0"/>
+                                  </p:stCondLst>
+                                  <p:childTnLst>
+                                    <p:set>
+                                      <p:cBhvr>
+                                        <p:cTn id="23" dur="1" fill="hold">
+                                          <p:stCondLst>
+                                            <p:cond delay="0"/>
+                                          </p:stCondLst>
+                                        </p:cTn>
+                                        <p:tgtEl>
+                                          <p:spTgt spid="4"/>
+                                        </p:tgtEl>
+                                        <p:attrNameLst>
+                                          <p:attrName>style.visibility</p:attrName>
+                                        </p:attrNameLst>
+                                      </p:cBhvr>
+                                      <p:to>
+                                        <p:strVal val="visible"/>
+                                      </p:to>
+                                    </p:set>
+                                  </p:childTnLst>
+                                </p:cTn>
+                              </p:par>
+                              <p:par>
+                                <p:cTn id="24" presetID="1" presetClass="entr" presetSubtype="0" fill="hold" grpId="0" nodeType="withEffect">
+                                  <p:stCondLst>
+                                    <p:cond delay="0"/>
+                                  </p:stCondLst>
+                                  <p:childTnLst>
+                                    <p:set>
+                                      <p:cBhvr>
+                                        <p:cTn id="25" dur="1" fill="hold">
+                                          <p:stCondLst>
+                                            <p:cond delay="0"/>
+                                          </p:stCondLst>
+                                        </p:cTn>
+                                        <p:tgtEl>
+                                          <p:spTgt spid="10"/>
+                                        </p:tgtEl>
+                                        <p:attrNameLst>
+                                          <p:attrName>style.visibility</p:attrName>
+                                        </p:attrNameLst>
+                                      </p:cBhvr>
+                                      <p:to>
+                                        <p:strVal val="visible"/>
+                                      </p:to>
+                                    </p:set>
+                                  </p:childTnLst>
+                                </p:cTn>
+                              </p:par>
+                            </p:childTnLst>
+                          </p:cTn>
+                        </p:par>
+                      </p:childTnLst>
+                    </p:cTn>
+                  </p:par>
+                </p:childTnLst>
+              </p:cTn>
+              <p:prevCondLst>
+                <p:cond evt="onPrev" delay="0">
+                  <p:tgtEl>
+                    <p:sldTgt/>
+                  </p:tgtEl>
+                </p:cond>
+              </p:prevCondLst>
+              <p:nextCondLst>
+                <p:cond evt="onNext" delay="0">
+                  <p:tgtEl>
+                    <p:sldTgt/>
+                  </p:tgtEl>
+                </p:cond>
+              </p:nextCondLst>
+            </p:seq>
+          </p:childTnLst>
+        </p:cTn>
+      </p:par>
+    </p:tnLst>
+    <p:bldLst>
+      <p:bldP spid="4" grpId="0"/>
+      <p:bldP spid="5" grpId="0"/>
+      <p:bldP spid="6" grpId="0"/>
+      <p:bldP spid="7" grpId="0"/>
+      <p:bldP spid="8" grpId="0" animBg="1"/>
+      <p:bldP spid="9" grpId="0"/>
+      <p:bldP spid="10" grpId="0" animBg="1"/>
+    </p:bldLst>
+  </p:timing>
 </p:sld>
 </file>
 
@@ -9349,7 +11485,7 @@
           </a:lstStyle>
           <a:p>
             <a:r>
-              <a:rPr kumimoji="1" lang="en-US" altLang="zh-CN"/>
+              <a:rPr kumimoji="1" lang="en-US" altLang="zh-CN" dirty="0"/>
               <a:t>A copy constructor. Only one parameter, or the rest have default values</a:t>
             </a:r>
             <a:endParaRPr kumimoji="1" lang="zh-CN" altLang="en-US" dirty="0"/>
@@ -9366,6 +11502,178 @@
   <p:clrMapOvr>
     <a:masterClrMapping/>
   </p:clrMapOvr>
+  <p:timing>
+    <p:tnLst>
+      <p:par>
+        <p:cTn id="1" dur="indefinite" restart="never" nodeType="tmRoot">
+          <p:childTnLst>
+            <p:seq concurrent="1" nextAc="seek">
+              <p:cTn id="2" dur="indefinite" nodeType="mainSeq">
+                <p:childTnLst>
+                  <p:par>
+                    <p:cTn id="3" fill="hold">
+                      <p:stCondLst>
+                        <p:cond delay="indefinite"/>
+                      </p:stCondLst>
+                      <p:childTnLst>
+                        <p:par>
+                          <p:cTn id="4" fill="hold">
+                            <p:stCondLst>
+                              <p:cond delay="0"/>
+                            </p:stCondLst>
+                            <p:childTnLst>
+                              <p:par>
+                                <p:cTn id="5" presetID="1" presetClass="entr" presetSubtype="0" fill="hold" grpId="0" nodeType="clickEffect">
+                                  <p:stCondLst>
+                                    <p:cond delay="0"/>
+                                  </p:stCondLst>
+                                  <p:childTnLst>
+                                    <p:set>
+                                      <p:cBhvr>
+                                        <p:cTn id="6" dur="1" fill="hold">
+                                          <p:stCondLst>
+                                            <p:cond delay="0"/>
+                                          </p:stCondLst>
+                                        </p:cTn>
+                                        <p:tgtEl>
+                                          <p:spTgt spid="3">
+                                            <p:txEl>
+                                              <p:pRg st="0" end="0"/>
+                                            </p:txEl>
+                                          </p:spTgt>
+                                        </p:tgtEl>
+                                        <p:attrNameLst>
+                                          <p:attrName>style.visibility</p:attrName>
+                                        </p:attrNameLst>
+                                      </p:cBhvr>
+                                      <p:to>
+                                        <p:strVal val="visible"/>
+                                      </p:to>
+                                    </p:set>
+                                  </p:childTnLst>
+                                </p:cTn>
+                              </p:par>
+                              <p:par>
+                                <p:cTn id="7" presetID="1" presetClass="entr" presetSubtype="0" fill="hold" grpId="0" nodeType="withEffect">
+                                  <p:stCondLst>
+                                    <p:cond delay="0"/>
+                                  </p:stCondLst>
+                                  <p:childTnLst>
+                                    <p:set>
+                                      <p:cBhvr>
+                                        <p:cTn id="8" dur="1" fill="hold">
+                                          <p:stCondLst>
+                                            <p:cond delay="0"/>
+                                          </p:stCondLst>
+                                        </p:cTn>
+                                        <p:tgtEl>
+                                          <p:spTgt spid="3">
+                                            <p:txEl>
+                                              <p:pRg st="1" end="1"/>
+                                            </p:txEl>
+                                          </p:spTgt>
+                                        </p:tgtEl>
+                                        <p:attrNameLst>
+                                          <p:attrName>style.visibility</p:attrName>
+                                        </p:attrNameLst>
+                                      </p:cBhvr>
+                                      <p:to>
+                                        <p:strVal val="visible"/>
+                                      </p:to>
+                                    </p:set>
+                                  </p:childTnLst>
+                                </p:cTn>
+                              </p:par>
+                              <p:par>
+                                <p:cTn id="9" presetID="1" presetClass="entr" presetSubtype="0" fill="hold" grpId="0" nodeType="withEffect">
+                                  <p:stCondLst>
+                                    <p:cond delay="0"/>
+                                  </p:stCondLst>
+                                  <p:childTnLst>
+                                    <p:set>
+                                      <p:cBhvr>
+                                        <p:cTn id="10" dur="1" fill="hold">
+                                          <p:stCondLst>
+                                            <p:cond delay="0"/>
+                                          </p:stCondLst>
+                                        </p:cTn>
+                                        <p:tgtEl>
+                                          <p:spTgt spid="3">
+                                            <p:txEl>
+                                              <p:pRg st="2" end="2"/>
+                                            </p:txEl>
+                                          </p:spTgt>
+                                        </p:tgtEl>
+                                        <p:attrNameLst>
+                                          <p:attrName>style.visibility</p:attrName>
+                                        </p:attrNameLst>
+                                      </p:cBhvr>
+                                      <p:to>
+                                        <p:strVal val="visible"/>
+                                      </p:to>
+                                    </p:set>
+                                  </p:childTnLst>
+                                </p:cTn>
+                              </p:par>
+                              <p:par>
+                                <p:cTn id="11" presetID="1" presetClass="entr" presetSubtype="0" fill="hold" grpId="0" nodeType="withEffect">
+                                  <p:stCondLst>
+                                    <p:cond delay="0"/>
+                                  </p:stCondLst>
+                                  <p:childTnLst>
+                                    <p:set>
+                                      <p:cBhvr>
+                                        <p:cTn id="12" dur="1" fill="hold">
+                                          <p:stCondLst>
+                                            <p:cond delay="0"/>
+                                          </p:stCondLst>
+                                        </p:cTn>
+                                        <p:tgtEl>
+                                          <p:spTgt spid="5"/>
+                                        </p:tgtEl>
+                                        <p:attrNameLst>
+                                          <p:attrName>style.visibility</p:attrName>
+                                        </p:attrNameLst>
+                                      </p:cBhvr>
+                                      <p:to>
+                                        <p:strVal val="visible"/>
+                                      </p:to>
+                                    </p:set>
+                                  </p:childTnLst>
+                                </p:cTn>
+                              </p:par>
+                            </p:childTnLst>
+                          </p:cTn>
+                        </p:par>
+                      </p:childTnLst>
+                    </p:cTn>
+                  </p:par>
+                </p:childTnLst>
+              </p:cTn>
+              <p:prevCondLst>
+                <p:cond evt="onPrev" delay="0">
+                  <p:tgtEl>
+                    <p:sldTgt/>
+                  </p:tgtEl>
+                </p:cond>
+              </p:prevCondLst>
+              <p:nextCondLst>
+                <p:cond evt="onNext" delay="0">
+                  <p:tgtEl>
+                    <p:sldTgt/>
+                  </p:tgtEl>
+                </p:cond>
+              </p:nextCondLst>
+            </p:seq>
+          </p:childTnLst>
+        </p:cTn>
+      </p:par>
+    </p:tnLst>
+    <p:bldLst>
+      <p:bldP spid="3" grpId="0" build="p"/>
+      <p:bldP spid="5" grpId="0" animBg="1"/>
+    </p:bldLst>
+  </p:timing>
 </p:sld>
 </file>
 
@@ -9639,6 +11947,235 @@
   <p:clrMapOvr>
     <a:masterClrMapping/>
   </p:clrMapOvr>
+  <p:timing>
+    <p:tnLst>
+      <p:par>
+        <p:cTn id="1" dur="indefinite" restart="never" nodeType="tmRoot">
+          <p:childTnLst>
+            <p:seq concurrent="1" nextAc="seek">
+              <p:cTn id="2" dur="indefinite" nodeType="mainSeq">
+                <p:childTnLst>
+                  <p:par>
+                    <p:cTn id="3" fill="hold">
+                      <p:stCondLst>
+                        <p:cond delay="indefinite"/>
+                      </p:stCondLst>
+                      <p:childTnLst>
+                        <p:par>
+                          <p:cTn id="4" fill="hold">
+                            <p:stCondLst>
+                              <p:cond delay="0"/>
+                            </p:stCondLst>
+                            <p:childTnLst>
+                              <p:par>
+                                <p:cTn id="5" presetID="1" presetClass="entr" presetSubtype="0" fill="hold" nodeType="clickEffect">
+                                  <p:stCondLst>
+                                    <p:cond delay="0"/>
+                                  </p:stCondLst>
+                                  <p:childTnLst>
+                                    <p:set>
+                                      <p:cBhvr>
+                                        <p:cTn id="6" dur="1" fill="hold">
+                                          <p:stCondLst>
+                                            <p:cond delay="0"/>
+                                          </p:stCondLst>
+                                        </p:cTn>
+                                        <p:tgtEl>
+                                          <p:spTgt spid="3">
+                                            <p:txEl>
+                                              <p:pRg st="1" end="1"/>
+                                            </p:txEl>
+                                          </p:spTgt>
+                                        </p:tgtEl>
+                                        <p:attrNameLst>
+                                          <p:attrName>style.visibility</p:attrName>
+                                        </p:attrNameLst>
+                                      </p:cBhvr>
+                                      <p:to>
+                                        <p:strVal val="visible"/>
+                                      </p:to>
+                                    </p:set>
+                                  </p:childTnLst>
+                                </p:cTn>
+                              </p:par>
+                            </p:childTnLst>
+                          </p:cTn>
+                        </p:par>
+                        <p:par>
+                          <p:cTn id="7" fill="hold">
+                            <p:stCondLst>
+                              <p:cond delay="0"/>
+                            </p:stCondLst>
+                            <p:childTnLst>
+                              <p:par>
+                                <p:cTn id="8" presetID="1" presetClass="entr" presetSubtype="0" fill="hold" grpId="0" nodeType="afterEffect">
+                                  <p:stCondLst>
+                                    <p:cond delay="0"/>
+                                  </p:stCondLst>
+                                  <p:childTnLst>
+                                    <p:set>
+                                      <p:cBhvr>
+                                        <p:cTn id="9" dur="1" fill="hold">
+                                          <p:stCondLst>
+                                            <p:cond delay="0"/>
+                                          </p:stCondLst>
+                                        </p:cTn>
+                                        <p:tgtEl>
+                                          <p:spTgt spid="4"/>
+                                        </p:tgtEl>
+                                        <p:attrNameLst>
+                                          <p:attrName>style.visibility</p:attrName>
+                                        </p:attrNameLst>
+                                      </p:cBhvr>
+                                      <p:to>
+                                        <p:strVal val="visible"/>
+                                      </p:to>
+                                    </p:set>
+                                  </p:childTnLst>
+                                </p:cTn>
+                              </p:par>
+                            </p:childTnLst>
+                          </p:cTn>
+                        </p:par>
+                      </p:childTnLst>
+                    </p:cTn>
+                  </p:par>
+                  <p:par>
+                    <p:cTn id="10" fill="hold">
+                      <p:stCondLst>
+                        <p:cond delay="indefinite"/>
+                      </p:stCondLst>
+                      <p:childTnLst>
+                        <p:par>
+                          <p:cTn id="11" fill="hold">
+                            <p:stCondLst>
+                              <p:cond delay="0"/>
+                            </p:stCondLst>
+                            <p:childTnLst>
+                              <p:par>
+                                <p:cTn id="12" presetID="1" presetClass="entr" presetSubtype="0" fill="hold" nodeType="clickEffect">
+                                  <p:stCondLst>
+                                    <p:cond delay="0"/>
+                                  </p:stCondLst>
+                                  <p:childTnLst>
+                                    <p:set>
+                                      <p:cBhvr>
+                                        <p:cTn id="13" dur="1" fill="hold">
+                                          <p:stCondLst>
+                                            <p:cond delay="0"/>
+                                          </p:stCondLst>
+                                        </p:cTn>
+                                        <p:tgtEl>
+                                          <p:spTgt spid="3">
+                                            <p:txEl>
+                                              <p:pRg st="4" end="4"/>
+                                            </p:txEl>
+                                          </p:spTgt>
+                                        </p:tgtEl>
+                                        <p:attrNameLst>
+                                          <p:attrName>style.visibility</p:attrName>
+                                        </p:attrNameLst>
+                                      </p:cBhvr>
+                                      <p:to>
+                                        <p:strVal val="visible"/>
+                                      </p:to>
+                                    </p:set>
+                                  </p:childTnLst>
+                                </p:cTn>
+                              </p:par>
+                              <p:par>
+                                <p:cTn id="14" presetID="1" presetClass="entr" presetSubtype="0" fill="hold" nodeType="withEffect">
+                                  <p:stCondLst>
+                                    <p:cond delay="0"/>
+                                  </p:stCondLst>
+                                  <p:childTnLst>
+                                    <p:set>
+                                      <p:cBhvr>
+                                        <p:cTn id="15" dur="1" fill="hold">
+                                          <p:stCondLst>
+                                            <p:cond delay="0"/>
+                                          </p:stCondLst>
+                                        </p:cTn>
+                                        <p:tgtEl>
+                                          <p:spTgt spid="3">
+                                            <p:txEl>
+                                              <p:pRg st="5" end="5"/>
+                                            </p:txEl>
+                                          </p:spTgt>
+                                        </p:tgtEl>
+                                        <p:attrNameLst>
+                                          <p:attrName>style.visibility</p:attrName>
+                                        </p:attrNameLst>
+                                      </p:cBhvr>
+                                      <p:to>
+                                        <p:strVal val="visible"/>
+                                      </p:to>
+                                    </p:set>
+                                  </p:childTnLst>
+                                </p:cTn>
+                              </p:par>
+                              <p:par>
+                                <p:cTn id="16" presetID="1" presetClass="entr" presetSubtype="0" fill="hold" nodeType="withEffect">
+                                  <p:stCondLst>
+                                    <p:cond delay="0"/>
+                                  </p:stCondLst>
+                                  <p:childTnLst>
+                                    <p:set>
+                                      <p:cBhvr>
+                                        <p:cTn id="17" dur="1" fill="hold">
+                                          <p:stCondLst>
+                                            <p:cond delay="0"/>
+                                          </p:stCondLst>
+                                        </p:cTn>
+                                        <p:tgtEl>
+                                          <p:spTgt spid="3">
+                                            <p:txEl>
+                                              <p:pRg st="6" end="6"/>
+                                            </p:txEl>
+                                          </p:spTgt>
+                                        </p:tgtEl>
+                                        <p:attrNameLst>
+                                          <p:attrName>style.visibility</p:attrName>
+                                        </p:attrNameLst>
+                                      </p:cBhvr>
+                                      <p:to>
+                                        <p:strVal val="visible"/>
+                                      </p:to>
+                                    </p:set>
+                                  </p:childTnLst>
+                                </p:cTn>
+                              </p:par>
+                            </p:childTnLst>
+                          </p:cTn>
+                        </p:par>
+                      </p:childTnLst>
+                    </p:cTn>
+                  </p:par>
+                </p:childTnLst>
+              </p:cTn>
+              <p:prevCondLst>
+                <p:cond evt="onPrev" delay="0">
+                  <p:tgtEl>
+                    <p:sldTgt/>
+                  </p:tgtEl>
+                </p:cond>
+              </p:prevCondLst>
+              <p:nextCondLst>
+                <p:cond evt="onNext" delay="0">
+                  <p:tgtEl>
+                    <p:sldTgt/>
+                  </p:tgtEl>
+                </p:cond>
+              </p:nextCondLst>
+            </p:seq>
+          </p:childTnLst>
+        </p:cTn>
+      </p:par>
+    </p:tnLst>
+    <p:bldLst>
+      <p:bldP spid="4" grpId="0"/>
+    </p:bldLst>
+  </p:timing>
 </p:sld>
 </file>
 

--- a/week11/Lecture11.pptx
+++ b/week11/Lecture11.pptx
@@ -331,7 +331,7 @@
           <a:p>
             <a:fld id="{634F3F22-B4BB-3F48-9180-464A9F2D66D1}" type="datetimeFigureOut">
               <a:rPr kumimoji="1" lang="zh-CN" altLang="en-US" smtClean="0"/>
-              <a:t>2021/11/21</a:t>
+              <a:t>2021/11/25</a:t>
             </a:fld>
             <a:endParaRPr kumimoji="1" lang="zh-CN" altLang="en-US"/>
           </a:p>
@@ -811,7 +811,7 @@
           <a:p>
             <a:fld id="{FC19A4FA-3D9A-4114-B0D5-759CBD56F1AB}" type="datetimeFigureOut">
               <a:rPr lang="zh-CN" altLang="en-US" smtClean="0"/>
-              <a:t>2021/11/21</a:t>
+              <a:t>2021/11/25</a:t>
             </a:fld>
             <a:endParaRPr lang="zh-CN" altLang="en-US"/>
           </a:p>
@@ -1014,7 +1014,7 @@
           <a:p>
             <a:fld id="{FC19A4FA-3D9A-4114-B0D5-759CBD56F1AB}" type="datetimeFigureOut">
               <a:rPr lang="zh-CN" altLang="en-US" smtClean="0"/>
-              <a:t>2021/11/21</a:t>
+              <a:t>2021/11/25</a:t>
             </a:fld>
             <a:endParaRPr lang="zh-CN" altLang="en-US"/>
           </a:p>
@@ -1192,7 +1192,7 @@
           <a:p>
             <a:fld id="{FC19A4FA-3D9A-4114-B0D5-759CBD56F1AB}" type="datetimeFigureOut">
               <a:rPr lang="zh-CN" altLang="en-US" smtClean="0"/>
-              <a:t>2021/11/21</a:t>
+              <a:t>2021/11/25</a:t>
             </a:fld>
             <a:endParaRPr lang="zh-CN" altLang="en-US"/>
           </a:p>
@@ -1416,7 +1416,7 @@
           <a:p>
             <a:fld id="{FC19A4FA-3D9A-4114-B0D5-759CBD56F1AB}" type="datetimeFigureOut">
               <a:rPr lang="zh-CN" altLang="en-US" smtClean="0"/>
-              <a:t>2021/11/21</a:t>
+              <a:t>2021/11/25</a:t>
             </a:fld>
             <a:endParaRPr lang="zh-CN" altLang="en-US"/>
           </a:p>
@@ -1650,7 +1650,7 @@
           <a:p>
             <a:fld id="{FC19A4FA-3D9A-4114-B0D5-759CBD56F1AB}" type="datetimeFigureOut">
               <a:rPr lang="zh-CN" altLang="en-US" smtClean="0"/>
-              <a:t>2021/11/21</a:t>
+              <a:t>2021/11/25</a:t>
             </a:fld>
             <a:endParaRPr lang="zh-CN" altLang="en-US"/>
           </a:p>
@@ -2049,7 +2049,7 @@
           <a:p>
             <a:fld id="{FC19A4FA-3D9A-4114-B0D5-759CBD56F1AB}" type="datetimeFigureOut">
               <a:rPr lang="zh-CN" altLang="en-US" smtClean="0"/>
-              <a:t>2021/11/21</a:t>
+              <a:t>2021/11/25</a:t>
             </a:fld>
             <a:endParaRPr lang="zh-CN" altLang="en-US"/>
           </a:p>
@@ -2329,7 +2329,7 @@
           <a:p>
             <a:fld id="{FC19A4FA-3D9A-4114-B0D5-759CBD56F1AB}" type="datetimeFigureOut">
               <a:rPr lang="zh-CN" altLang="en-US" smtClean="0"/>
-              <a:t>2021/11/21</a:t>
+              <a:t>2021/11/25</a:t>
             </a:fld>
             <a:endParaRPr lang="zh-CN" altLang="en-US"/>
           </a:p>
@@ -2481,7 +2481,7 @@
           <a:p>
             <a:fld id="{FC19A4FA-3D9A-4114-B0D5-759CBD56F1AB}" type="datetimeFigureOut">
               <a:rPr lang="zh-CN" altLang="en-US" smtClean="0"/>
-              <a:t>2021/11/21</a:t>
+              <a:t>2021/11/25</a:t>
             </a:fld>
             <a:endParaRPr lang="zh-CN" altLang="en-US"/>
           </a:p>
@@ -2611,7 +2611,7 @@
           <a:p>
             <a:fld id="{FC19A4FA-3D9A-4114-B0D5-759CBD56F1AB}" type="datetimeFigureOut">
               <a:rPr lang="zh-CN" altLang="en-US" smtClean="0"/>
-              <a:t>2021/11/21</a:t>
+              <a:t>2021/11/25</a:t>
             </a:fld>
             <a:endParaRPr lang="zh-CN" altLang="en-US"/>
           </a:p>
@@ -2921,7 +2921,7 @@
           <a:p>
             <a:fld id="{FC19A4FA-3D9A-4114-B0D5-759CBD56F1AB}" type="datetimeFigureOut">
               <a:rPr lang="zh-CN" altLang="en-US" smtClean="0"/>
-              <a:t>2021/11/21</a:t>
+              <a:t>2021/11/25</a:t>
             </a:fld>
             <a:endParaRPr lang="zh-CN" altLang="en-US"/>
           </a:p>
@@ -3208,7 +3208,7 @@
           <a:p>
             <a:fld id="{FC19A4FA-3D9A-4114-B0D5-759CBD56F1AB}" type="datetimeFigureOut">
               <a:rPr lang="zh-CN" altLang="en-US" smtClean="0"/>
-              <a:t>2021/11/21</a:t>
+              <a:t>2021/11/25</a:t>
             </a:fld>
             <a:endParaRPr lang="zh-CN" altLang="en-US"/>
           </a:p>
@@ -3501,7 +3501,7 @@
           <a:p>
             <a:fld id="{FC19A4FA-3D9A-4114-B0D5-759CBD56F1AB}" type="datetimeFigureOut">
               <a:rPr lang="zh-CN" altLang="en-US" smtClean="0"/>
-              <a:t>2021/11/21</a:t>
+              <a:t>2021/11/25</a:t>
             </a:fld>
             <a:endParaRPr lang="zh-CN" altLang="en-US"/>
           </a:p>
@@ -5668,7 +5668,12 @@
             <p:ph type="ctrTitle"/>
           </p:nvPr>
         </p:nvSpPr>
-        <p:spPr/>
+        <p:spPr>
+          <a:xfrm>
+            <a:off x="1524000" y="1534740"/>
+            <a:ext cx="9144000" cy="1894260"/>
+          </a:xfrm>
+        </p:spPr>
         <p:txBody>
           <a:bodyPr/>
           <a:lstStyle/>
@@ -5978,7 +5983,7 @@
           <a:graphicData uri="http://schemas.openxmlformats.org/presentationml/2006/ole">
             <mc:AlternateContent xmlns:mc="http://schemas.openxmlformats.org/markup-compatibility/2006">
               <mc:Choice xmlns:v="urn:schemas-microsoft-com:vml" Requires="v">
-                <p:oleObj spid="_x0000_s2079" name="文档" r:id="rId3" imgW="8013700" imgH="3568700" progId="Word.Document.12">
+                <p:oleObj spid="_x0000_s2091" name="文档" r:id="rId3" imgW="8013700" imgH="3568700" progId="Word.Document.12">
                   <p:embed/>
                 </p:oleObj>
               </mc:Choice>
@@ -6578,7 +6583,7 @@
         </p:nvSpPr>
         <p:spPr>
           <a:xfrm>
-            <a:off x="4876800" y="1825625"/>
+            <a:off x="4391891" y="1621849"/>
             <a:ext cx="6477000" cy="4351338"/>
           </a:xfrm>
         </p:spPr>
@@ -6843,6 +6848,110 @@
           </a:p>
         </p:txBody>
       </p:sp>
+      <p:sp>
+        <p:nvSpPr>
+          <p:cNvPr id="6" name="矩形 5">
+            <a:extLst>
+              <a:ext uri="{FF2B5EF4-FFF2-40B4-BE49-F238E27FC236}">
+                <a16:creationId xmlns:a16="http://schemas.microsoft.com/office/drawing/2014/main" id="{DDB9B5DE-6511-1541-A4A4-C61564C65048}"/>
+              </a:ext>
+            </a:extLst>
+          </p:cNvPr>
+          <p:cNvSpPr/>
+          <p:nvPr/>
+        </p:nvSpPr>
+        <p:spPr>
+          <a:xfrm>
+            <a:off x="885798" y="3772065"/>
+            <a:ext cx="2896493" cy="522843"/>
+          </a:xfrm>
+          <a:prstGeom prst="rect">
+            <a:avLst/>
+          </a:prstGeom>
+          <a:noFill/>
+          <a:ln w="38100">
+            <a:solidFill>
+              <a:srgbClr val="C00000"/>
+            </a:solidFill>
+          </a:ln>
+        </p:spPr>
+        <p:style>
+          <a:lnRef idx="2">
+            <a:schemeClr val="accent1">
+              <a:shade val="50000"/>
+            </a:schemeClr>
+          </a:lnRef>
+          <a:fillRef idx="1">
+            <a:schemeClr val="accent1"/>
+          </a:fillRef>
+          <a:effectRef idx="0">
+            <a:schemeClr val="accent1"/>
+          </a:effectRef>
+          <a:fontRef idx="minor">
+            <a:schemeClr val="lt1"/>
+          </a:fontRef>
+        </p:style>
+        <p:txBody>
+          <a:bodyPr rtlCol="0" anchor="ctr"/>
+          <a:lstStyle/>
+          <a:p>
+            <a:pPr algn="ctr"/>
+            <a:endParaRPr kumimoji="1" lang="zh-CN" altLang="en-US"/>
+          </a:p>
+        </p:txBody>
+      </p:sp>
+      <p:sp>
+        <p:nvSpPr>
+          <p:cNvPr id="7" name="矩形 6">
+            <a:extLst>
+              <a:ext uri="{FF2B5EF4-FFF2-40B4-BE49-F238E27FC236}">
+                <a16:creationId xmlns:a16="http://schemas.microsoft.com/office/drawing/2014/main" id="{7BB301A5-6301-ED48-BB8A-7674A92B43E5}"/>
+              </a:ext>
+            </a:extLst>
+          </p:cNvPr>
+          <p:cNvSpPr/>
+          <p:nvPr/>
+        </p:nvSpPr>
+        <p:spPr>
+          <a:xfrm>
+            <a:off x="6469180" y="2632364"/>
+            <a:ext cx="1386347" cy="392379"/>
+          </a:xfrm>
+          <a:prstGeom prst="rect">
+            <a:avLst/>
+          </a:prstGeom>
+          <a:noFill/>
+          <a:ln w="38100">
+            <a:solidFill>
+              <a:srgbClr val="C00000"/>
+            </a:solidFill>
+          </a:ln>
+        </p:spPr>
+        <p:style>
+          <a:lnRef idx="2">
+            <a:schemeClr val="accent1">
+              <a:shade val="50000"/>
+            </a:schemeClr>
+          </a:lnRef>
+          <a:fillRef idx="1">
+            <a:schemeClr val="accent1"/>
+          </a:fillRef>
+          <a:effectRef idx="0">
+            <a:schemeClr val="accent1"/>
+          </a:effectRef>
+          <a:fontRef idx="minor">
+            <a:schemeClr val="lt1"/>
+          </a:fontRef>
+        </p:style>
+        <p:txBody>
+          <a:bodyPr rtlCol="0" anchor="ctr"/>
+          <a:lstStyle/>
+          <a:p>
+            <a:pPr algn="ctr"/>
+            <a:endParaRPr kumimoji="1" lang="zh-CN" altLang="en-US"/>
+          </a:p>
+        </p:txBody>
+      </p:sp>
     </p:spTree>
     <p:extLst>
       <p:ext uri="{BB962C8B-B14F-4D97-AF65-F5344CB8AC3E}">
@@ -7092,7 +7201,12 @@
             <p:ph type="ctrTitle"/>
           </p:nvPr>
         </p:nvSpPr>
-        <p:spPr/>
+        <p:spPr>
+          <a:xfrm>
+            <a:off x="1524000" y="1534740"/>
+            <a:ext cx="9144000" cy="1894260"/>
+          </a:xfrm>
+        </p:spPr>
         <p:txBody>
           <a:bodyPr>
             <a:normAutofit/>
@@ -9202,7 +9316,15 @@
           <a:p>
             <a:r>
               <a:rPr kumimoji="1" lang="en-US" altLang="zh-CN" dirty="0"/>
-              <a:t>Default constructor: a constructor which can be called with no arguments</a:t>
+              <a:t>Default constructor: a constructor which can be </a:t>
+            </a:r>
+            <a:r>
+              <a:rPr kumimoji="1" lang="en-US" altLang="zh-CN"/>
+              <a:t>called without </a:t>
+            </a:r>
+            <a:r>
+              <a:rPr kumimoji="1" lang="en-US" altLang="zh-CN" dirty="0"/>
+              <a:t>arguments</a:t>
             </a:r>
           </a:p>
           <a:p>
@@ -9339,7 +9461,7 @@
                 </a:solidFill>
                 <a:latin typeface="Menlo" panose="020B0609030804020204" pitchFamily="49" charset="0"/>
               </a:rPr>
-              <a:t>(){}</a:t>
+              <a:t>(){ ... }</a:t>
             </a:r>
           </a:p>
           <a:p>
@@ -10960,7 +11082,7 @@
         </p:nvSpPr>
         <p:spPr>
           <a:xfrm>
-            <a:off x="1024217" y="2460646"/>
+            <a:off x="990598" y="3571062"/>
             <a:ext cx="11053879" cy="1768454"/>
           </a:xfrm>
         </p:spPr>
@@ -10977,7 +11099,14 @@
             <a:pPr lvl="1"/>
             <a:r>
               <a:rPr kumimoji="1" lang="en-US" altLang="zh-CN" dirty="0"/>
-              <a:t>If no user-defined copy constructors, the compiler will generate one.</a:t>
+              <a:t>If no user-defined copy constructors, </a:t>
+            </a:r>
+            <a:br>
+              <a:rPr kumimoji="1" lang="en-US" altLang="zh-CN" dirty="0"/>
+            </a:br>
+            <a:r>
+              <a:rPr kumimoji="1" lang="en-US" altLang="zh-CN" dirty="0"/>
+              <a:t>the compiler will generate one.</a:t>
             </a:r>
           </a:p>
           <a:p>
@@ -11004,8 +11133,8 @@
         </p:nvSpPr>
         <p:spPr>
           <a:xfrm>
-            <a:off x="1654065" y="4229100"/>
-            <a:ext cx="6096000" cy="646331"/>
+            <a:off x="1515519" y="2363608"/>
+            <a:ext cx="6096000" cy="923330"/>
           </a:xfrm>
           <a:prstGeom prst="rect">
             <a:avLst/>
@@ -11131,7 +11260,7 @@
                 </a:solidFill>
                 <a:latin typeface="Menlo" panose="020B0609030804020204" pitchFamily="49" charset="0"/>
               </a:rPr>
-              <a:t> = </a:t>
+              <a:t>(</a:t>
             </a:r>
             <a:r>
               <a:rPr lang="en" altLang="zh-CN" dirty="0">
@@ -11140,7 +11269,7 @@
                 </a:solidFill>
                 <a:latin typeface="Menlo" panose="020B0609030804020204" pitchFamily="49" charset="0"/>
               </a:rPr>
-              <a:t>t1</a:t>
+              <a:t>t1)</a:t>
             </a:r>
             <a:r>
               <a:rPr lang="en" altLang="zh-CN" dirty="0">
@@ -11162,12 +11291,73 @@
               </a:rPr>
               <a:t>//copy constructor</a:t>
             </a:r>
-            <a:endParaRPr lang="en" altLang="zh-CN" dirty="0">
-              <a:solidFill>
-                <a:srgbClr val="000000"/>
-              </a:solidFill>
-              <a:latin typeface="Menlo" panose="020B0609030804020204" pitchFamily="49" charset="0"/>
-            </a:endParaRPr>
+          </a:p>
+          <a:p>
+            <a:r>
+              <a:rPr lang="en" altLang="zh-CN" dirty="0" err="1">
+                <a:solidFill>
+                  <a:srgbClr val="267F99"/>
+                </a:solidFill>
+                <a:latin typeface="Menlo" panose="020B0609030804020204" pitchFamily="49" charset="0"/>
+              </a:rPr>
+              <a:t>MyTime</a:t>
+            </a:r>
+            <a:r>
+              <a:rPr lang="en" altLang="zh-CN" dirty="0">
+                <a:solidFill>
+                  <a:srgbClr val="000000"/>
+                </a:solidFill>
+                <a:latin typeface="Menlo" panose="020B0609030804020204" pitchFamily="49" charset="0"/>
+              </a:rPr>
+              <a:t> </a:t>
+            </a:r>
+            <a:r>
+              <a:rPr lang="en" altLang="zh-CN" dirty="0">
+                <a:solidFill>
+                  <a:srgbClr val="001080"/>
+                </a:solidFill>
+                <a:latin typeface="Menlo" panose="020B0609030804020204" pitchFamily="49" charset="0"/>
+              </a:rPr>
+              <a:t>t3</a:t>
+            </a:r>
+            <a:r>
+              <a:rPr lang="en" altLang="zh-CN" dirty="0">
+                <a:solidFill>
+                  <a:srgbClr val="000000"/>
+                </a:solidFill>
+                <a:latin typeface="Menlo" panose="020B0609030804020204" pitchFamily="49" charset="0"/>
+              </a:rPr>
+              <a:t> = </a:t>
+            </a:r>
+            <a:r>
+              <a:rPr lang="en" altLang="zh-CN" dirty="0">
+                <a:solidFill>
+                  <a:srgbClr val="001080"/>
+                </a:solidFill>
+                <a:latin typeface="Menlo" panose="020B0609030804020204" pitchFamily="49" charset="0"/>
+              </a:rPr>
+              <a:t>t1</a:t>
+            </a:r>
+            <a:r>
+              <a:rPr lang="en" altLang="zh-CN" dirty="0">
+                <a:solidFill>
+                  <a:srgbClr val="000000"/>
+                </a:solidFill>
+                <a:latin typeface="Menlo" panose="020B0609030804020204" pitchFamily="49" charset="0"/>
+              </a:rPr>
+              <a:t>; </a:t>
+            </a:r>
+            <a:r>
+              <a:rPr lang="en" altLang="zh-CN" dirty="0">
+                <a:solidFill>
+                  <a:schemeClr val="accent6">
+                    <a:lumMod val="50000"/>
+                  </a:schemeClr>
+                </a:solidFill>
+                <a:latin typeface="Menlo" panose="020B0609030804020204" pitchFamily="49" charset="0"/>
+              </a:rPr>
+              <a:t>//copy constructor</a:t>
+            </a:r>
           </a:p>
         </p:txBody>
       </p:sp>
@@ -11767,6 +11957,12 @@
             <a:endParaRPr kumimoji="1" lang="en-US" altLang="zh-CN" dirty="0"/>
           </a:p>
           <a:p>
+            <a:endParaRPr kumimoji="1" lang="en-US" altLang="zh-CN" dirty="0"/>
+          </a:p>
+          <a:p>
+            <a:endParaRPr kumimoji="1" lang="en-US" altLang="zh-CN" dirty="0"/>
+          </a:p>
+          <a:p>
             <a:r>
               <a:rPr kumimoji="1" lang="en-US" altLang="zh-CN" dirty="0"/>
               <a:t>Default copy assignment operator</a:t>
@@ -11776,7 +11972,14 @@
             <a:pPr lvl="1"/>
             <a:r>
               <a:rPr kumimoji="1" lang="en-US" altLang="zh-CN" dirty="0"/>
-              <a:t>If no user-defined copy assignment constructors, the compiler will generate one.</a:t>
+              <a:t>If no user-defined copy assignment constructors, </a:t>
+            </a:r>
+            <a:br>
+              <a:rPr kumimoji="1" lang="en-US" altLang="zh-CN" dirty="0"/>
+            </a:br>
+            <a:r>
+              <a:rPr kumimoji="1" lang="en-US" altLang="zh-CN" dirty="0"/>
+              <a:t>the compiler will generate one.</a:t>
             </a:r>
           </a:p>
           <a:p>
@@ -11806,7 +12009,7 @@
         </p:nvSpPr>
         <p:spPr>
           <a:xfrm>
-            <a:off x="2047617" y="2510091"/>
+            <a:off x="1631981" y="2550506"/>
             <a:ext cx="6042039" cy="369332"/>
           </a:xfrm>
           <a:prstGeom prst="rect">
@@ -11934,6 +12137,212 @@
               <a:effectLst/>
               <a:latin typeface="Menlo" panose="020B0609030804020204" pitchFamily="49" charset="0"/>
             </a:endParaRPr>
+          </a:p>
+        </p:txBody>
+      </p:sp>
+      <p:sp>
+        <p:nvSpPr>
+          <p:cNvPr id="5" name="矩形 4">
+            <a:extLst>
+              <a:ext uri="{FF2B5EF4-FFF2-40B4-BE49-F238E27FC236}">
+                <a16:creationId xmlns:a16="http://schemas.microsoft.com/office/drawing/2014/main" id="{F4707CC6-8A0B-604D-98CF-7E6F930AF481}"/>
+              </a:ext>
+            </a:extLst>
+          </p:cNvPr>
+          <p:cNvSpPr/>
+          <p:nvPr/>
+        </p:nvSpPr>
+        <p:spPr>
+          <a:xfrm>
+            <a:off x="1751046" y="3148981"/>
+            <a:ext cx="6096000" cy="923330"/>
+          </a:xfrm>
+          <a:prstGeom prst="rect">
+            <a:avLst/>
+          </a:prstGeom>
+          <a:solidFill>
+            <a:schemeClr val="accent5">
+              <a:lumMod val="20000"/>
+              <a:lumOff val="80000"/>
+            </a:schemeClr>
+          </a:solidFill>
+        </p:spPr>
+        <p:txBody>
+          <a:bodyPr>
+            <a:spAutoFit/>
+          </a:bodyPr>
+          <a:lstStyle/>
+          <a:p>
+            <a:r>
+              <a:rPr lang="en" altLang="zh-CN" dirty="0" err="1">
+                <a:solidFill>
+                  <a:srgbClr val="267F99"/>
+                </a:solidFill>
+                <a:latin typeface="Menlo" panose="020B0609030804020204" pitchFamily="49" charset="0"/>
+              </a:rPr>
+              <a:t>MyTime</a:t>
+            </a:r>
+            <a:r>
+              <a:rPr lang="en" altLang="zh-CN" dirty="0">
+                <a:solidFill>
+                  <a:srgbClr val="000000"/>
+                </a:solidFill>
+                <a:latin typeface="Menlo" panose="020B0609030804020204" pitchFamily="49" charset="0"/>
+              </a:rPr>
+              <a:t> </a:t>
+            </a:r>
+            <a:r>
+              <a:rPr lang="en" altLang="zh-CN" dirty="0">
+                <a:solidFill>
+                  <a:srgbClr val="001080"/>
+                </a:solidFill>
+                <a:latin typeface="Menlo" panose="020B0609030804020204" pitchFamily="49" charset="0"/>
+              </a:rPr>
+              <a:t>t1</a:t>
+            </a:r>
+            <a:r>
+              <a:rPr lang="en" altLang="zh-CN" dirty="0">
+                <a:solidFill>
+                  <a:srgbClr val="000000"/>
+                </a:solidFill>
+                <a:latin typeface="Menlo" panose="020B0609030804020204" pitchFamily="49" charset="0"/>
+              </a:rPr>
+              <a:t>(</a:t>
+            </a:r>
+            <a:r>
+              <a:rPr lang="en" altLang="zh-CN" dirty="0">
+                <a:solidFill>
+                  <a:srgbClr val="098658"/>
+                </a:solidFill>
+                <a:latin typeface="Menlo" panose="020B0609030804020204" pitchFamily="49" charset="0"/>
+              </a:rPr>
+              <a:t>1</a:t>
+            </a:r>
+            <a:r>
+              <a:rPr lang="en" altLang="zh-CN" dirty="0">
+                <a:solidFill>
+                  <a:srgbClr val="000000"/>
+                </a:solidFill>
+                <a:latin typeface="Menlo" panose="020B0609030804020204" pitchFamily="49" charset="0"/>
+              </a:rPr>
+              <a:t>, </a:t>
+            </a:r>
+            <a:r>
+              <a:rPr lang="en" altLang="zh-CN" dirty="0">
+                <a:solidFill>
+                  <a:srgbClr val="098658"/>
+                </a:solidFill>
+                <a:latin typeface="Menlo" panose="020B0609030804020204" pitchFamily="49" charset="0"/>
+              </a:rPr>
+              <a:t>59</a:t>
+            </a:r>
+            <a:r>
+              <a:rPr lang="en" altLang="zh-CN" dirty="0">
+                <a:solidFill>
+                  <a:srgbClr val="000000"/>
+                </a:solidFill>
+                <a:latin typeface="Menlo" panose="020B0609030804020204" pitchFamily="49" charset="0"/>
+              </a:rPr>
+              <a:t>);</a:t>
+            </a:r>
+          </a:p>
+          <a:p>
+            <a:r>
+              <a:rPr lang="en" altLang="zh-CN" dirty="0" err="1">
+                <a:solidFill>
+                  <a:srgbClr val="267F99"/>
+                </a:solidFill>
+                <a:latin typeface="Menlo" panose="020B0609030804020204" pitchFamily="49" charset="0"/>
+              </a:rPr>
+              <a:t>MyTime</a:t>
+            </a:r>
+            <a:r>
+              <a:rPr lang="en" altLang="zh-CN" dirty="0">
+                <a:solidFill>
+                  <a:srgbClr val="000000"/>
+                </a:solidFill>
+                <a:latin typeface="Menlo" panose="020B0609030804020204" pitchFamily="49" charset="0"/>
+              </a:rPr>
+              <a:t> </a:t>
+            </a:r>
+            <a:r>
+              <a:rPr lang="en" altLang="zh-CN" dirty="0">
+                <a:solidFill>
+                  <a:srgbClr val="001080"/>
+                </a:solidFill>
+                <a:latin typeface="Menlo" panose="020B0609030804020204" pitchFamily="49" charset="0"/>
+              </a:rPr>
+              <a:t>t2 = t1</a:t>
+            </a:r>
+            <a:r>
+              <a:rPr lang="en" altLang="zh-CN" dirty="0">
+                <a:solidFill>
+                  <a:srgbClr val="000000"/>
+                </a:solidFill>
+                <a:latin typeface="Menlo" panose="020B0609030804020204" pitchFamily="49" charset="0"/>
+              </a:rPr>
+              <a:t>; </a:t>
+            </a:r>
+            <a:r>
+              <a:rPr lang="en" altLang="zh-CN" dirty="0">
+                <a:solidFill>
+                  <a:schemeClr val="accent6">
+                    <a:lumMod val="50000"/>
+                  </a:schemeClr>
+                </a:solidFill>
+                <a:latin typeface="Menlo" panose="020B0609030804020204" pitchFamily="49" charset="0"/>
+              </a:rPr>
+              <a:t>//copy constructor</a:t>
+            </a:r>
+          </a:p>
+          <a:p>
+            <a:r>
+              <a:rPr lang="en" altLang="zh-CN" dirty="0">
+                <a:solidFill>
+                  <a:srgbClr val="001080"/>
+                </a:solidFill>
+                <a:latin typeface="Menlo" panose="020B0609030804020204" pitchFamily="49" charset="0"/>
+              </a:rPr>
+              <a:t>t2</a:t>
+            </a:r>
+            <a:r>
+              <a:rPr lang="en" altLang="zh-CN" dirty="0">
+                <a:solidFill>
+                  <a:srgbClr val="000000"/>
+                </a:solidFill>
+                <a:latin typeface="Menlo" panose="020B0609030804020204" pitchFamily="49" charset="0"/>
+              </a:rPr>
+              <a:t> = </a:t>
+            </a:r>
+            <a:r>
+              <a:rPr lang="en" altLang="zh-CN" dirty="0">
+                <a:solidFill>
+                  <a:srgbClr val="001080"/>
+                </a:solidFill>
+                <a:latin typeface="Menlo" panose="020B0609030804020204" pitchFamily="49" charset="0"/>
+              </a:rPr>
+              <a:t>t1</a:t>
+            </a:r>
+            <a:r>
+              <a:rPr lang="en" altLang="zh-CN" dirty="0">
+                <a:solidFill>
+                  <a:srgbClr val="000000"/>
+                </a:solidFill>
+                <a:latin typeface="Menlo" panose="020B0609030804020204" pitchFamily="49" charset="0"/>
+              </a:rPr>
+              <a:t>; </a:t>
+            </a:r>
+            <a:r>
+              <a:rPr lang="en" altLang="zh-CN" dirty="0">
+                <a:solidFill>
+                  <a:schemeClr val="accent6">
+                    <a:lumMod val="50000"/>
+                  </a:schemeClr>
+                </a:solidFill>
+                <a:latin typeface="Menlo" panose="020B0609030804020204" pitchFamily="49" charset="0"/>
+              </a:rPr>
+              <a:t>//copy assignment</a:t>
+            </a:r>
           </a:p>
         </p:txBody>
       </p:sp>
@@ -12068,7 +12477,7 @@
                                         <p:tgtEl>
                                           <p:spTgt spid="3">
                                             <p:txEl>
-                                              <p:pRg st="4" end="4"/>
+                                              <p:pRg st="6" end="6"/>
                                             </p:txEl>
                                           </p:spTgt>
                                         </p:tgtEl>
@@ -12099,7 +12508,7 @@
                                         <p:tgtEl>
                                           <p:spTgt spid="3">
                                             <p:txEl>
-                                              <p:pRg st="5" end="5"/>
+                                              <p:pRg st="7" end="7"/>
                                             </p:txEl>
                                           </p:spTgt>
                                         </p:tgtEl>
@@ -12130,9 +12539,36 @@
                                         <p:tgtEl>
                                           <p:spTgt spid="3">
                                             <p:txEl>
-                                              <p:pRg st="6" end="6"/>
+                                              <p:pRg st="8" end="8"/>
                                             </p:txEl>
                                           </p:spTgt>
+                                        </p:tgtEl>
+                                        <p:attrNameLst>
+                                          <p:attrName>style.visibility</p:attrName>
+                                        </p:attrNameLst>
+                                      </p:cBhvr>
+                                      <p:to>
+                                        <p:strVal val="visible"/>
+                                      </p:to>
+                                    </p:set>
+                                  </p:childTnLst>
+                                </p:cTn>
+                              </p:par>
+                              <p:par>
+                                <p:cTn id="18" presetID="1" presetClass="entr" presetSubtype="0" fill="hold" grpId="0" nodeType="withEffect">
+                                  <p:stCondLst>
+                                    <p:cond delay="0"/>
+                                  </p:stCondLst>
+                                  <p:childTnLst>
+                                    <p:set>
+                                      <p:cBhvr>
+                                        <p:cTn id="19" dur="1" fill="hold">
+                                          <p:stCondLst>
+                                            <p:cond delay="0"/>
+                                          </p:stCondLst>
+                                        </p:cTn>
+                                        <p:tgtEl>
+                                          <p:spTgt spid="5"/>
                                         </p:tgtEl>
                                         <p:attrNameLst>
                                           <p:attrName>style.visibility</p:attrName>
@@ -12174,6 +12610,7 @@
     </p:tnLst>
     <p:bldLst>
       <p:bldP spid="4" grpId="0"/>
+      <p:bldP spid="5" grpId="0" animBg="1"/>
     </p:bldLst>
   </p:timing>
 </p:sld>
@@ -12799,6 +13236,24 @@
                 <a:latin typeface="Menlo" panose="020B0609030804020204" pitchFamily="49" charset="0"/>
               </a:rPr>
               <a:t>buf_len</a:t>
+            </a:r>
+            <a:r>
+              <a:rPr lang="en" altLang="zh-CN" dirty="0">
+                <a:solidFill>
+                  <a:srgbClr val="000000"/>
+                </a:solidFill>
+                <a:latin typeface="Menlo" panose="020B0609030804020204" pitchFamily="49" charset="0"/>
+              </a:rPr>
+              <a:t>, </a:t>
+            </a:r>
+            <a:r>
+              <a:rPr lang="en" altLang="zh-CN" dirty="0">
+                <a:solidFill>
+                  <a:srgbClr val="001080"/>
+                </a:solidFill>
+                <a:latin typeface="Menlo" panose="020B0609030804020204" pitchFamily="49" charset="0"/>
+              </a:rPr>
+              <a:t>data</a:t>
             </a:r>
             <a:r>
               <a:rPr lang="en" altLang="zh-CN" dirty="0">

--- a/week11/Lecture11.pptx
+++ b/week11/Lecture11.pptx
@@ -331,7 +331,7 @@
           <a:p>
             <a:fld id="{634F3F22-B4BB-3F48-9180-464A9F2D66D1}" type="datetimeFigureOut">
               <a:rPr kumimoji="1" lang="zh-CN" altLang="en-US" smtClean="0"/>
-              <a:t>2021/11/25</a:t>
+              <a:t>2024/5/8</a:t>
             </a:fld>
             <a:endParaRPr kumimoji="1" lang="zh-CN" altLang="en-US"/>
           </a:p>
@@ -811,7 +811,7 @@
           <a:p>
             <a:fld id="{FC19A4FA-3D9A-4114-B0D5-759CBD56F1AB}" type="datetimeFigureOut">
               <a:rPr lang="zh-CN" altLang="en-US" smtClean="0"/>
-              <a:t>2021/11/25</a:t>
+              <a:t>2024/5/8</a:t>
             </a:fld>
             <a:endParaRPr lang="zh-CN" altLang="en-US"/>
           </a:p>
@@ -1014,7 +1014,7 @@
           <a:p>
             <a:fld id="{FC19A4FA-3D9A-4114-B0D5-759CBD56F1AB}" type="datetimeFigureOut">
               <a:rPr lang="zh-CN" altLang="en-US" smtClean="0"/>
-              <a:t>2021/11/25</a:t>
+              <a:t>2024/5/8</a:t>
             </a:fld>
             <a:endParaRPr lang="zh-CN" altLang="en-US"/>
           </a:p>
@@ -1192,7 +1192,7 @@
           <a:p>
             <a:fld id="{FC19A4FA-3D9A-4114-B0D5-759CBD56F1AB}" type="datetimeFigureOut">
               <a:rPr lang="zh-CN" altLang="en-US" smtClean="0"/>
-              <a:t>2021/11/25</a:t>
+              <a:t>2024/5/8</a:t>
             </a:fld>
             <a:endParaRPr lang="zh-CN" altLang="en-US"/>
           </a:p>
@@ -1416,7 +1416,7 @@
           <a:p>
             <a:fld id="{FC19A4FA-3D9A-4114-B0D5-759CBD56F1AB}" type="datetimeFigureOut">
               <a:rPr lang="zh-CN" altLang="en-US" smtClean="0"/>
-              <a:t>2021/11/25</a:t>
+              <a:t>2024/5/8</a:t>
             </a:fld>
             <a:endParaRPr lang="zh-CN" altLang="en-US"/>
           </a:p>
@@ -1650,7 +1650,7 @@
           <a:p>
             <a:fld id="{FC19A4FA-3D9A-4114-B0D5-759CBD56F1AB}" type="datetimeFigureOut">
               <a:rPr lang="zh-CN" altLang="en-US" smtClean="0"/>
-              <a:t>2021/11/25</a:t>
+              <a:t>2024/5/8</a:t>
             </a:fld>
             <a:endParaRPr lang="zh-CN" altLang="en-US"/>
           </a:p>
@@ -2049,7 +2049,7 @@
           <a:p>
             <a:fld id="{FC19A4FA-3D9A-4114-B0D5-759CBD56F1AB}" type="datetimeFigureOut">
               <a:rPr lang="zh-CN" altLang="en-US" smtClean="0"/>
-              <a:t>2021/11/25</a:t>
+              <a:t>2024/5/8</a:t>
             </a:fld>
             <a:endParaRPr lang="zh-CN" altLang="en-US"/>
           </a:p>
@@ -2329,7 +2329,7 @@
           <a:p>
             <a:fld id="{FC19A4FA-3D9A-4114-B0D5-759CBD56F1AB}" type="datetimeFigureOut">
               <a:rPr lang="zh-CN" altLang="en-US" smtClean="0"/>
-              <a:t>2021/11/25</a:t>
+              <a:t>2024/5/8</a:t>
             </a:fld>
             <a:endParaRPr lang="zh-CN" altLang="en-US"/>
           </a:p>
@@ -2481,7 +2481,7 @@
           <a:p>
             <a:fld id="{FC19A4FA-3D9A-4114-B0D5-759CBD56F1AB}" type="datetimeFigureOut">
               <a:rPr lang="zh-CN" altLang="en-US" smtClean="0"/>
-              <a:t>2021/11/25</a:t>
+              <a:t>2024/5/8</a:t>
             </a:fld>
             <a:endParaRPr lang="zh-CN" altLang="en-US"/>
           </a:p>
@@ -2611,7 +2611,7 @@
           <a:p>
             <a:fld id="{FC19A4FA-3D9A-4114-B0D5-759CBD56F1AB}" type="datetimeFigureOut">
               <a:rPr lang="zh-CN" altLang="en-US" smtClean="0"/>
-              <a:t>2021/11/25</a:t>
+              <a:t>2024/5/8</a:t>
             </a:fld>
             <a:endParaRPr lang="zh-CN" altLang="en-US"/>
           </a:p>
@@ -2921,7 +2921,7 @@
           <a:p>
             <a:fld id="{FC19A4FA-3D9A-4114-B0D5-759CBD56F1AB}" type="datetimeFigureOut">
               <a:rPr lang="zh-CN" altLang="en-US" smtClean="0"/>
-              <a:t>2021/11/25</a:t>
+              <a:t>2024/5/8</a:t>
             </a:fld>
             <a:endParaRPr lang="zh-CN" altLang="en-US"/>
           </a:p>
@@ -3208,7 +3208,7 @@
           <a:p>
             <a:fld id="{FC19A4FA-3D9A-4114-B0D5-759CBD56F1AB}" type="datetimeFigureOut">
               <a:rPr lang="zh-CN" altLang="en-US" smtClean="0"/>
-              <a:t>2021/11/25</a:t>
+              <a:t>2024/5/8</a:t>
             </a:fld>
             <a:endParaRPr lang="zh-CN" altLang="en-US"/>
           </a:p>
@@ -3501,7 +3501,7 @@
           <a:p>
             <a:fld id="{FC19A4FA-3D9A-4114-B0D5-759CBD56F1AB}" type="datetimeFigureOut">
               <a:rPr lang="zh-CN" altLang="en-US" smtClean="0"/>
-              <a:t>2021/11/25</a:t>
+              <a:t>2024/5/8</a:t>
             </a:fld>
             <a:endParaRPr lang="zh-CN" altLang="en-US"/>
           </a:p>
@@ -5531,7 +5531,7 @@
                 </a:highlight>
                 <a:latin typeface="Menlo" panose="020B0609030804020204" pitchFamily="49" charset="0"/>
               </a:rPr>
-              <a:t>example1</a:t>
+              <a:t>example2</a:t>
             </a:r>
             <a:endParaRPr lang="zh-CN" altLang="en-US" dirty="0">
               <a:solidFill>
@@ -5983,12 +5983,12 @@
           <a:graphicData uri="http://schemas.openxmlformats.org/presentationml/2006/ole">
             <mc:AlternateContent xmlns:mc="http://schemas.openxmlformats.org/markup-compatibility/2006">
               <mc:Choice xmlns:v="urn:schemas-microsoft-com:vml" Requires="v">
-                <p:oleObj spid="_x0000_s2091" name="文档" r:id="rId3" imgW="8013700" imgH="3568700" progId="Word.Document.12">
+                <p:oleObj name="文档" r:id="rId2" imgW="8013700" imgH="3568700" progId="Word.Document.12">
                   <p:embed/>
                 </p:oleObj>
               </mc:Choice>
               <mc:Fallback>
-                <p:oleObj name="文档" r:id="rId3" imgW="8013700" imgH="3568700" progId="Word.Document.12">
+                <p:oleObj name="文档" r:id="rId2" imgW="8013700" imgH="3568700" progId="Word.Document.12">
                   <p:embed/>
                   <p:pic>
                     <p:nvPicPr>
@@ -6005,7 +6005,7 @@
                       <p:nvPr/>
                     </p:nvPicPr>
                     <p:blipFill>
-                      <a:blip r:embed="rId4"/>
+                      <a:blip r:embed="rId3"/>
                       <a:srcRect/>
                       <a:stretch>
                         <a:fillRect/>
@@ -6131,7 +6131,7 @@
           <p:nvPr/>
         </p:nvPicPr>
         <p:blipFill>
-          <a:blip r:embed="rId5"/>
+          <a:blip r:embed="rId4"/>
           <a:stretch>
             <a:fillRect/>
           </a:stretch>

--- a/week11/Lecture11.pptx
+++ b/week11/Lecture11.pptx
@@ -221,7 +221,7 @@
           <a:p>
             <a:fld id="{634F3F22-B4BB-3F48-9180-464A9F2D66D1}" type="datetimeFigureOut">
               <a:rPr kumimoji="1" lang="zh-CN" altLang="en-US" smtClean="0"/>
-              <a:t>2024/10/7</a:t>
+              <a:t>2025/4/22</a:t>
             </a:fld>
             <a:endParaRPr kumimoji="1" lang="zh-CN" altLang="en-US"/>
           </a:p>
@@ -701,7 +701,7 @@
           <a:p>
             <a:fld id="{FC19A4FA-3D9A-4114-B0D5-759CBD56F1AB}" type="datetimeFigureOut">
               <a:rPr lang="zh-CN" altLang="en-US" smtClean="0"/>
-              <a:t>2024/10/7</a:t>
+              <a:t>2025/4/22</a:t>
             </a:fld>
             <a:endParaRPr lang="zh-CN" altLang="en-US"/>
           </a:p>
@@ -904,7 +904,7 @@
           <a:p>
             <a:fld id="{FC19A4FA-3D9A-4114-B0D5-759CBD56F1AB}" type="datetimeFigureOut">
               <a:rPr lang="zh-CN" altLang="en-US" smtClean="0"/>
-              <a:t>2024/10/7</a:t>
+              <a:t>2025/4/22</a:t>
             </a:fld>
             <a:endParaRPr lang="zh-CN" altLang="en-US"/>
           </a:p>
@@ -1082,7 +1082,7 @@
           <a:p>
             <a:fld id="{FC19A4FA-3D9A-4114-B0D5-759CBD56F1AB}" type="datetimeFigureOut">
               <a:rPr lang="zh-CN" altLang="en-US" smtClean="0"/>
-              <a:t>2024/10/7</a:t>
+              <a:t>2025/4/22</a:t>
             </a:fld>
             <a:endParaRPr lang="zh-CN" altLang="en-US"/>
           </a:p>
@@ -1306,7 +1306,7 @@
           <a:p>
             <a:fld id="{FC19A4FA-3D9A-4114-B0D5-759CBD56F1AB}" type="datetimeFigureOut">
               <a:rPr lang="zh-CN" altLang="en-US" smtClean="0"/>
-              <a:t>2024/10/7</a:t>
+              <a:t>2025/4/22</a:t>
             </a:fld>
             <a:endParaRPr lang="zh-CN" altLang="en-US"/>
           </a:p>
@@ -1540,7 +1540,7 @@
           <a:p>
             <a:fld id="{FC19A4FA-3D9A-4114-B0D5-759CBD56F1AB}" type="datetimeFigureOut">
               <a:rPr lang="zh-CN" altLang="en-US" smtClean="0"/>
-              <a:t>2024/10/7</a:t>
+              <a:t>2025/4/22</a:t>
             </a:fld>
             <a:endParaRPr lang="zh-CN" altLang="en-US"/>
           </a:p>
@@ -1939,7 +1939,7 @@
           <a:p>
             <a:fld id="{FC19A4FA-3D9A-4114-B0D5-759CBD56F1AB}" type="datetimeFigureOut">
               <a:rPr lang="zh-CN" altLang="en-US" smtClean="0"/>
-              <a:t>2024/10/7</a:t>
+              <a:t>2025/4/22</a:t>
             </a:fld>
             <a:endParaRPr lang="zh-CN" altLang="en-US"/>
           </a:p>
@@ -2219,7 +2219,7 @@
           <a:p>
             <a:fld id="{FC19A4FA-3D9A-4114-B0D5-759CBD56F1AB}" type="datetimeFigureOut">
               <a:rPr lang="zh-CN" altLang="en-US" smtClean="0"/>
-              <a:t>2024/10/7</a:t>
+              <a:t>2025/4/22</a:t>
             </a:fld>
             <a:endParaRPr lang="zh-CN" altLang="en-US"/>
           </a:p>
@@ -2371,7 +2371,7 @@
           <a:p>
             <a:fld id="{FC19A4FA-3D9A-4114-B0D5-759CBD56F1AB}" type="datetimeFigureOut">
               <a:rPr lang="zh-CN" altLang="en-US" smtClean="0"/>
-              <a:t>2024/10/7</a:t>
+              <a:t>2025/4/22</a:t>
             </a:fld>
             <a:endParaRPr lang="zh-CN" altLang="en-US"/>
           </a:p>
@@ -2501,7 +2501,7 @@
           <a:p>
             <a:fld id="{FC19A4FA-3D9A-4114-B0D5-759CBD56F1AB}" type="datetimeFigureOut">
               <a:rPr lang="zh-CN" altLang="en-US" smtClean="0"/>
-              <a:t>2024/10/7</a:t>
+              <a:t>2025/4/22</a:t>
             </a:fld>
             <a:endParaRPr lang="zh-CN" altLang="en-US"/>
           </a:p>
@@ -2811,7 +2811,7 @@
           <a:p>
             <a:fld id="{FC19A4FA-3D9A-4114-B0D5-759CBD56F1AB}" type="datetimeFigureOut">
               <a:rPr lang="zh-CN" altLang="en-US" smtClean="0"/>
-              <a:t>2024/10/7</a:t>
+              <a:t>2025/4/22</a:t>
             </a:fld>
             <a:endParaRPr lang="zh-CN" altLang="en-US"/>
           </a:p>
@@ -3098,7 +3098,7 @@
           <a:p>
             <a:fld id="{FC19A4FA-3D9A-4114-B0D5-759CBD56F1AB}" type="datetimeFigureOut">
               <a:rPr lang="zh-CN" altLang="en-US" smtClean="0"/>
-              <a:t>2024/10/7</a:t>
+              <a:t>2025/4/22</a:t>
             </a:fld>
             <a:endParaRPr lang="zh-CN" altLang="en-US"/>
           </a:p>
@@ -3391,7 +3391,7 @@
           <a:p>
             <a:fld id="{FC19A4FA-3D9A-4114-B0D5-759CBD56F1AB}" type="datetimeFigureOut">
               <a:rPr lang="zh-CN" altLang="en-US" smtClean="0"/>
-              <a:t>2024/10/7</a:t>
+              <a:t>2025/4/22</a:t>
             </a:fld>
             <a:endParaRPr lang="zh-CN" altLang="en-US"/>
           </a:p>
@@ -3822,19 +3822,7 @@
               <a:rPr lang="en-US" altLang="zh-CN" b="1" dirty="0">
                 <a:latin typeface="Franklin Gothic Demi" panose="020B0703020102020204" pitchFamily="34" charset="0"/>
               </a:rPr>
-              <a:t>C/C++</a:t>
-            </a:r>
-            <a:r>
-              <a:rPr lang="zh-CN" altLang="en-US" b="1" dirty="0">
-                <a:latin typeface="Franklin Gothic Demi" panose="020B0703020102020204" pitchFamily="34" charset="0"/>
-              </a:rPr>
-              <a:t> </a:t>
-            </a:r>
-            <a:r>
-              <a:rPr lang="en-US" altLang="zh-CN" b="1" dirty="0">
-                <a:latin typeface="Franklin Gothic Demi" panose="020B0703020102020204" pitchFamily="34" charset="0"/>
-              </a:rPr>
-              <a:t>Program Design</a:t>
+              <a:t>Advanced Programming</a:t>
             </a:r>
             <a:endParaRPr lang="zh-CN" altLang="en-US" b="1" dirty="0">
               <a:latin typeface="Franklin Gothic Demi" panose="020B0703020102020204" pitchFamily="34" charset="0"/>
@@ -3863,14 +3851,6 @@
             <a:normAutofit/>
           </a:bodyPr>
           <a:lstStyle/>
-          <a:p>
-            <a:r>
-              <a:rPr lang="en-US" altLang="zh-CN" sz="3600" dirty="0">
-                <a:latin typeface="Franklin Gothic Medium" panose="020B0603020102020204" pitchFamily="34" charset="0"/>
-              </a:rPr>
-              <a:t>CS205</a:t>
-            </a:r>
-          </a:p>
           <a:p>
             <a:endParaRPr lang="en-US" altLang="zh-CN" dirty="0">
               <a:latin typeface="Franklin Gothic Medium" panose="020B0603020102020204" pitchFamily="34" charset="0"/>
@@ -13055,81 +13035,6 @@
   <p:clrMapOvr>
     <a:masterClrMapping/>
   </p:clrMapOvr>
-  <p:timing>
-    <p:tnLst>
-      <p:par>
-        <p:cTn id="1" dur="indefinite" restart="never" nodeType="tmRoot">
-          <p:childTnLst>
-            <p:seq concurrent="1" nextAc="seek">
-              <p:cTn id="2" dur="indefinite" nodeType="mainSeq">
-                <p:childTnLst>
-                  <p:par>
-                    <p:cTn id="3" fill="hold">
-                      <p:stCondLst>
-                        <p:cond delay="indefinite"/>
-                      </p:stCondLst>
-                      <p:childTnLst>
-                        <p:par>
-                          <p:cTn id="4" fill="hold">
-                            <p:stCondLst>
-                              <p:cond delay="0"/>
-                            </p:stCondLst>
-                            <p:childTnLst>
-                              <p:par>
-                                <p:cTn id="5" presetID="1" presetClass="entr" presetSubtype="0" fill="hold" nodeType="clickEffect">
-                                  <p:stCondLst>
-                                    <p:cond delay="0"/>
-                                  </p:stCondLst>
-                                  <p:childTnLst>
-                                    <p:set>
-                                      <p:cBhvr>
-                                        <p:cTn id="6" dur="1" fill="hold">
-                                          <p:stCondLst>
-                                            <p:cond delay="0"/>
-                                          </p:stCondLst>
-                                        </p:cTn>
-                                        <p:tgtEl>
-                                          <p:spTgt spid="3"/>
-                                        </p:tgtEl>
-                                        <p:attrNameLst>
-                                          <p:attrName>style.visibility</p:attrName>
-                                        </p:attrNameLst>
-                                      </p:cBhvr>
-                                      <p:to>
-                                        <p:strVal val="visible"/>
-                                      </p:to>
-                                    </p:set>
-                                  </p:childTnLst>
-                                </p:cTn>
-                              </p:par>
-                            </p:childTnLst>
-                          </p:cTn>
-                        </p:par>
-                      </p:childTnLst>
-                    </p:cTn>
-                  </p:par>
-                </p:childTnLst>
-              </p:cTn>
-              <p:prevCondLst>
-                <p:cond evt="onPrev" delay="0">
-                  <p:tgtEl>
-                    <p:sldTgt/>
-                  </p:tgtEl>
-                </p:cond>
-              </p:prevCondLst>
-              <p:nextCondLst>
-                <p:cond evt="onNext" delay="0">
-                  <p:tgtEl>
-                    <p:sldTgt/>
-                  </p:tgtEl>
-                </p:cond>
-              </p:nextCondLst>
-            </p:seq>
-          </p:childTnLst>
-        </p:cTn>
-      </p:par>
-    </p:tnLst>
-  </p:timing>
 </p:sld>
 </file>
 
@@ -30313,6 +30218,33 @@
                                   </p:childTnLst>
                                 </p:cTn>
                               </p:par>
+                              <p:par>
+                                <p:cTn id="11" presetID="1" presetClass="entr" presetSubtype="0" fill="hold" grpId="0" nodeType="withEffect">
+                                  <p:stCondLst>
+                                    <p:cond delay="0"/>
+                                  </p:stCondLst>
+                                  <p:childTnLst>
+                                    <p:set>
+                                      <p:cBhvr>
+                                        <p:cTn id="12" dur="1" fill="hold">
+                                          <p:stCondLst>
+                                            <p:cond delay="0"/>
+                                          </p:stCondLst>
+                                        </p:cTn>
+                                        <p:tgtEl>
+                                          <p:spTgt spid="7"/>
+                                        </p:tgtEl>
+                                        <p:attrNameLst>
+                                          <p:attrName>style.visibility</p:attrName>
+                                        </p:attrNameLst>
+                                      </p:cBhvr>
+                                      <p:to>
+                                        <p:strVal val="visible"/>
+                                      </p:to>
+                                    </p:set>
+                                  </p:childTnLst>
+                                </p:cTn>
+                              </p:par>
                             </p:childTnLst>
                           </p:cTn>
                         </p:par>
@@ -30320,26 +30252,71 @@
                     </p:cTn>
                   </p:par>
                   <p:par>
-                    <p:cTn id="11" fill="hold">
+                    <p:cTn id="13" fill="hold">
                       <p:stCondLst>
                         <p:cond delay="indefinite"/>
                       </p:stCondLst>
                       <p:childTnLst>
                         <p:par>
-                          <p:cTn id="12" fill="hold">
+                          <p:cTn id="14" fill="hold">
                             <p:stCondLst>
                               <p:cond delay="0"/>
                             </p:stCondLst>
                             <p:childTnLst>
                               <p:par>
-                                <p:cTn id="13" presetID="1" presetClass="entr" presetSubtype="0" fill="hold" nodeType="clickEffect">
+                                <p:cTn id="15" presetID="1" presetClass="entr" presetSubtype="0" fill="hold" nodeType="clickEffect">
                                   <p:stCondLst>
                                     <p:cond delay="0"/>
                                   </p:stCondLst>
                                   <p:childTnLst>
                                     <p:set>
                                       <p:cBhvr>
-                                        <p:cTn id="14" dur="1" fill="hold">
+                                        <p:cTn id="16" dur="1" fill="hold">
+                                          <p:stCondLst>
+                                            <p:cond delay="0"/>
+                                          </p:stCondLst>
+                                        </p:cTn>
+                                        <p:tgtEl>
+                                          <p:spTgt spid="5"/>
+                                        </p:tgtEl>
+                                        <p:attrNameLst>
+                                          <p:attrName>style.visibility</p:attrName>
+                                        </p:attrNameLst>
+                                      </p:cBhvr>
+                                      <p:to>
+                                        <p:strVal val="visible"/>
+                                      </p:to>
+                                    </p:set>
+                                  </p:childTnLst>
+                                </p:cTn>
+                              </p:par>
+                            </p:childTnLst>
+                          </p:cTn>
+                        </p:par>
+                      </p:childTnLst>
+                    </p:cTn>
+                  </p:par>
+                  <p:par>
+                    <p:cTn id="17" fill="hold">
+                      <p:stCondLst>
+                        <p:cond delay="indefinite"/>
+                      </p:stCondLst>
+                      <p:childTnLst>
+                        <p:par>
+                          <p:cTn id="18" fill="hold">
+                            <p:stCondLst>
+                              <p:cond delay="0"/>
+                            </p:stCondLst>
+                            <p:childTnLst>
+                              <p:par>
+                                <p:cTn id="19" presetID="1" presetClass="entr" presetSubtype="0" fill="hold" nodeType="clickEffect">
+                                  <p:stCondLst>
+                                    <p:cond delay="0"/>
+                                  </p:stCondLst>
+                                  <p:childTnLst>
+                                    <p:set>
+                                      <p:cBhvr>
+                                        <p:cTn id="20" dur="1" fill="hold">
                                           <p:stCondLst>
                                             <p:cond delay="0"/>
                                           </p:stCondLst>
@@ -30369,26 +30346,26 @@
                     </p:cTn>
                   </p:par>
                   <p:par>
-                    <p:cTn id="15" fill="hold">
+                    <p:cTn id="21" fill="hold">
                       <p:stCondLst>
                         <p:cond delay="indefinite"/>
                       </p:stCondLst>
                       <p:childTnLst>
                         <p:par>
-                          <p:cTn id="16" fill="hold">
+                          <p:cTn id="22" fill="hold">
                             <p:stCondLst>
                               <p:cond delay="0"/>
                             </p:stCondLst>
                             <p:childTnLst>
                               <p:par>
-                                <p:cTn id="17" presetID="1" presetClass="entr" presetSubtype="0" fill="hold" nodeType="clickEffect">
+                                <p:cTn id="23" presetID="1" presetClass="entr" presetSubtype="0" fill="hold" nodeType="clickEffect">
                                   <p:stCondLst>
                                     <p:cond delay="0"/>
                                   </p:stCondLst>
                                   <p:childTnLst>
                                     <p:set>
                                       <p:cBhvr>
-                                        <p:cTn id="18" dur="1" fill="hold">
+                                        <p:cTn id="24" dur="1" fill="hold">
                                           <p:stCondLst>
                                             <p:cond delay="0"/>
                                           </p:stCondLst>
@@ -30414,26 +30391,71 @@
                     </p:cTn>
                   </p:par>
                   <p:par>
-                    <p:cTn id="19" fill="hold">
+                    <p:cTn id="25" fill="hold">
                       <p:stCondLst>
                         <p:cond delay="indefinite"/>
                       </p:stCondLst>
                       <p:childTnLst>
                         <p:par>
-                          <p:cTn id="20" fill="hold">
+                          <p:cTn id="26" fill="hold">
                             <p:stCondLst>
                               <p:cond delay="0"/>
                             </p:stCondLst>
                             <p:childTnLst>
                               <p:par>
-                                <p:cTn id="21" presetID="1" presetClass="entr" presetSubtype="0" fill="hold" nodeType="clickEffect">
+                                <p:cTn id="27" presetID="1" presetClass="entr" presetSubtype="0" fill="hold" nodeType="clickEffect">
                                   <p:stCondLst>
                                     <p:cond delay="0"/>
                                   </p:stCondLst>
                                   <p:childTnLst>
                                     <p:set>
                                       <p:cBhvr>
-                                        <p:cTn id="22" dur="1" fill="hold">
+                                        <p:cTn id="28" dur="1" fill="hold">
+                                          <p:stCondLst>
+                                            <p:cond delay="0"/>
+                                          </p:stCondLst>
+                                        </p:cTn>
+                                        <p:tgtEl>
+                                          <p:spTgt spid="6"/>
+                                        </p:tgtEl>
+                                        <p:attrNameLst>
+                                          <p:attrName>style.visibility</p:attrName>
+                                        </p:attrNameLst>
+                                      </p:cBhvr>
+                                      <p:to>
+                                        <p:strVal val="visible"/>
+                                      </p:to>
+                                    </p:set>
+                                  </p:childTnLst>
+                                </p:cTn>
+                              </p:par>
+                            </p:childTnLst>
+                          </p:cTn>
+                        </p:par>
+                      </p:childTnLst>
+                    </p:cTn>
+                  </p:par>
+                  <p:par>
+                    <p:cTn id="29" fill="hold">
+                      <p:stCondLst>
+                        <p:cond delay="indefinite"/>
+                      </p:stCondLst>
+                      <p:childTnLst>
+                        <p:par>
+                          <p:cTn id="30" fill="hold">
+                            <p:stCondLst>
+                              <p:cond delay="0"/>
+                            </p:stCondLst>
+                            <p:childTnLst>
+                              <p:par>
+                                <p:cTn id="31" presetID="1" presetClass="entr" presetSubtype="0" fill="hold" nodeType="clickEffect">
+                                  <p:stCondLst>
+                                    <p:cond delay="0"/>
+                                  </p:stCondLst>
+                                  <p:childTnLst>
+                                    <p:set>
+                                      <p:cBhvr>
+                                        <p:cTn id="32" dur="1" fill="hold">
                                           <p:stCondLst>
                                             <p:cond delay="0"/>
                                           </p:stCondLst>
@@ -30463,26 +30485,26 @@
                     </p:cTn>
                   </p:par>
                   <p:par>
-                    <p:cTn id="23" fill="hold">
+                    <p:cTn id="33" fill="hold">
                       <p:stCondLst>
                         <p:cond delay="indefinite"/>
                       </p:stCondLst>
                       <p:childTnLst>
                         <p:par>
-                          <p:cTn id="24" fill="hold">
+                          <p:cTn id="34" fill="hold">
                             <p:stCondLst>
                               <p:cond delay="0"/>
                             </p:stCondLst>
                             <p:childTnLst>
                               <p:par>
-                                <p:cTn id="25" presetID="1" presetClass="entr" presetSubtype="0" fill="hold" nodeType="clickEffect">
+                                <p:cTn id="35" presetID="1" presetClass="entr" presetSubtype="0" fill="hold" nodeType="clickEffect">
                                   <p:stCondLst>
                                     <p:cond delay="0"/>
                                   </p:stCondLst>
                                   <p:childTnLst>
                                     <p:set>
                                       <p:cBhvr>
-                                        <p:cTn id="26" dur="1" fill="hold">
+                                        <p:cTn id="36" dur="1" fill="hold">
                                           <p:stCondLst>
                                             <p:cond delay="0"/>
                                           </p:stCondLst>
@@ -30508,32 +30530,86 @@
                     </p:cTn>
                   </p:par>
                   <p:par>
-                    <p:cTn id="27" fill="hold">
+                    <p:cTn id="37" fill="hold">
                       <p:stCondLst>
                         <p:cond delay="indefinite"/>
                       </p:stCondLst>
                       <p:childTnLst>
                         <p:par>
-                          <p:cTn id="28" fill="hold">
+                          <p:cTn id="38" fill="hold">
                             <p:stCondLst>
                               <p:cond delay="0"/>
                             </p:stCondLst>
                             <p:childTnLst>
                               <p:par>
-                                <p:cTn id="29" presetID="1" presetClass="entr" presetSubtype="0" fill="hold" nodeType="clickEffect">
+                                <p:cTn id="39" presetID="1" presetClass="entr" presetSubtype="0" fill="hold" nodeType="clickEffect">
                                   <p:stCondLst>
                                     <p:cond delay="0"/>
                                   </p:stCondLst>
                                   <p:childTnLst>
                                     <p:set>
                                       <p:cBhvr>
-                                        <p:cTn id="30" dur="1" fill="hold">
+                                        <p:cTn id="40" dur="1" fill="hold">
                                           <p:stCondLst>
                                             <p:cond delay="0"/>
                                           </p:stCondLst>
                                         </p:cTn>
                                         <p:tgtEl>
                                           <p:spTgt spid="41"/>
+                                        </p:tgtEl>
+                                        <p:attrNameLst>
+                                          <p:attrName>style.visibility</p:attrName>
+                                        </p:attrNameLst>
+                                      </p:cBhvr>
+                                      <p:to>
+                                        <p:strVal val="visible"/>
+                                      </p:to>
+                                    </p:set>
+                                  </p:childTnLst>
+                                </p:cTn>
+                              </p:par>
+                              <p:par>
+                                <p:cTn id="41" presetID="1" presetClass="entr" presetSubtype="0" fill="hold" grpId="0" nodeType="withEffect">
+                                  <p:stCondLst>
+                                    <p:cond delay="0"/>
+                                  </p:stCondLst>
+                                  <p:childTnLst>
+                                    <p:set>
+                                      <p:cBhvr>
+                                        <p:cTn id="42" dur="1" fill="hold">
+                                          <p:stCondLst>
+                                            <p:cond delay="0"/>
+                                          </p:stCondLst>
+                                        </p:cTn>
+                                        <p:tgtEl>
+                                          <p:spTgt spid="10"/>
+                                        </p:tgtEl>
+                                        <p:attrNameLst>
+                                          <p:attrName>style.visibility</p:attrName>
+                                        </p:attrNameLst>
+                                      </p:cBhvr>
+                                      <p:to>
+                                        <p:strVal val="visible"/>
+                                      </p:to>
+                                    </p:set>
+                                  </p:childTnLst>
+                                </p:cTn>
+                              </p:par>
+                              <p:par>
+                                <p:cTn id="43" presetID="1" presetClass="entr" presetSubtype="0" fill="hold" nodeType="withEffect">
+                                  <p:stCondLst>
+                                    <p:cond delay="0"/>
+                                  </p:stCondLst>
+                                  <p:childTnLst>
+                                    <p:set>
+                                      <p:cBhvr>
+                                        <p:cTn id="44" dur="1" fill="hold">
+                                          <p:stCondLst>
+                                            <p:cond delay="0"/>
+                                          </p:stCondLst>
+                                        </p:cTn>
+                                        <p:tgtEl>
+                                          <p:spTgt spid="9"/>
                                         </p:tgtEl>
                                         <p:attrNameLst>
                                           <p:attrName>style.visibility</p:attrName>
@@ -30553,26 +30629,26 @@
                     </p:cTn>
                   </p:par>
                   <p:par>
-                    <p:cTn id="31" fill="hold">
+                    <p:cTn id="45" fill="hold">
                       <p:stCondLst>
                         <p:cond delay="indefinite"/>
                       </p:stCondLst>
                       <p:childTnLst>
                         <p:par>
-                          <p:cTn id="32" fill="hold">
+                          <p:cTn id="46" fill="hold">
                             <p:stCondLst>
                               <p:cond delay="0"/>
                             </p:stCondLst>
                             <p:childTnLst>
                               <p:par>
-                                <p:cTn id="33" presetID="1" presetClass="entr" presetSubtype="0" fill="hold" nodeType="clickEffect">
+                                <p:cTn id="47" presetID="1" presetClass="entr" presetSubtype="0" fill="hold" nodeType="clickEffect">
                                   <p:stCondLst>
                                     <p:cond delay="0"/>
                                   </p:stCondLst>
                                   <p:childTnLst>
                                     <p:set>
                                       <p:cBhvr>
-                                        <p:cTn id="34" dur="1" fill="hold">
+                                        <p:cTn id="48" dur="1" fill="hold">
                                           <p:stCondLst>
                                             <p:cond delay="0"/>
                                           </p:stCondLst>
@@ -30602,26 +30678,26 @@
                     </p:cTn>
                   </p:par>
                   <p:par>
-                    <p:cTn id="35" fill="hold">
+                    <p:cTn id="49" fill="hold">
                       <p:stCondLst>
                         <p:cond delay="indefinite"/>
                       </p:stCondLst>
                       <p:childTnLst>
                         <p:par>
-                          <p:cTn id="36" fill="hold">
+                          <p:cTn id="50" fill="hold">
                             <p:stCondLst>
                               <p:cond delay="0"/>
                             </p:stCondLst>
                             <p:childTnLst>
                               <p:par>
-                                <p:cTn id="37" presetID="1" presetClass="entr" presetSubtype="0" fill="hold" grpId="0" nodeType="clickEffect">
+                                <p:cTn id="51" presetID="1" presetClass="entr" presetSubtype="0" fill="hold" grpId="0" nodeType="clickEffect">
                                   <p:stCondLst>
                                     <p:cond delay="0"/>
                                   </p:stCondLst>
                                   <p:childTnLst>
                                     <p:set>
                                       <p:cBhvr>
-                                        <p:cTn id="38" dur="1" fill="hold">
+                                        <p:cTn id="52" dur="1" fill="hold">
                                           <p:stCondLst>
                                             <p:cond delay="0"/>
                                           </p:stCondLst>
@@ -30635,6 +30711,78 @@
                                       </p:cBhvr>
                                       <p:to>
                                         <p:strVal val="visible"/>
+                                      </p:to>
+                                    </p:set>
+                                  </p:childTnLst>
+                                </p:cTn>
+                              </p:par>
+                            </p:childTnLst>
+                          </p:cTn>
+                        </p:par>
+                      </p:childTnLst>
+                    </p:cTn>
+                  </p:par>
+                  <p:par>
+                    <p:cTn id="53" fill="hold">
+                      <p:stCondLst>
+                        <p:cond delay="indefinite"/>
+                      </p:stCondLst>
+                      <p:childTnLst>
+                        <p:par>
+                          <p:cTn id="54" fill="hold">
+                            <p:stCondLst>
+                              <p:cond delay="0"/>
+                            </p:stCondLst>
+                            <p:childTnLst>
+                              <p:par>
+                                <p:cTn id="55" presetID="1" presetClass="entr" presetSubtype="0" fill="hold" nodeType="clickEffect">
+                                  <p:stCondLst>
+                                    <p:cond delay="0"/>
+                                  </p:stCondLst>
+                                  <p:childTnLst>
+                                    <p:set>
+                                      <p:cBhvr>
+                                        <p:cTn id="56" dur="1" fill="hold">
+                                          <p:stCondLst>
+                                            <p:cond delay="0"/>
+                                          </p:stCondLst>
+                                        </p:cTn>
+                                        <p:tgtEl>
+                                          <p:spTgt spid="11"/>
+                                        </p:tgtEl>
+                                        <p:attrNameLst>
+                                          <p:attrName>style.visibility</p:attrName>
+                                        </p:attrNameLst>
+                                      </p:cBhvr>
+                                      <p:to>
+                                        <p:strVal val="visible"/>
+                                      </p:to>
+                                    </p:set>
+                                  </p:childTnLst>
+                                </p:cTn>
+                              </p:par>
+                              <p:par>
+                                <p:cTn id="57" presetID="1" presetClass="exit" presetSubtype="0" fill="hold" nodeType="withEffect">
+                                  <p:stCondLst>
+                                    <p:cond delay="0"/>
+                                  </p:stCondLst>
+                                  <p:childTnLst>
+                                    <p:set>
+                                      <p:cBhvr>
+                                        <p:cTn id="58" dur="1" fill="hold">
+                                          <p:stCondLst>
+                                            <p:cond delay="0"/>
+                                          </p:stCondLst>
+                                        </p:cTn>
+                                        <p:tgtEl>
+                                          <p:spTgt spid="9"/>
+                                        </p:tgtEl>
+                                        <p:attrNameLst>
+                                          <p:attrName>style.visibility</p:attrName>
+                                        </p:attrNameLst>
+                                      </p:cBhvr>
+                                      <p:to>
+                                        <p:strVal val="hidden"/>
                                       </p:to>
                                     </p:set>
                                   </p:childTnLst>
@@ -30669,6 +30817,8 @@
     </p:tnLst>
     <p:bldLst>
       <p:bldP spid="42" grpId="0" animBg="1"/>
+      <p:bldP spid="7" grpId="0"/>
+      <p:bldP spid="10" grpId="0"/>
     </p:bldLst>
   </p:timing>
 </p:sld>
